--- a/rep-workflows.pptx
+++ b/rep-workflows.pptx
@@ -290,7 +290,7 @@
           <a:p>
             <a:fld id="{0B842F42-2CE9-4E35-95C1-410DC08A50B1}" type="datetimeFigureOut">
               <a:rPr lang="en-US" smtClean="0"/>
-              <a:t>11/2/23</a:t>
+              <a:t>11/3/2023</a:t>
             </a:fld>
             <a:endParaRPr lang="en-US"/>
           </a:p>
@@ -455,7 +455,7 @@
           <a:p>
             <a:fld id="{6F282904-F315-4730-8D91-37D99E141A6F}" type="datetimeFigureOut">
               <a:rPr lang="en-US" smtClean="0"/>
-              <a:t>11/2/23</a:t>
+              <a:t>11/3/2023</a:t>
             </a:fld>
             <a:endParaRPr lang="en-US"/>
           </a:p>
@@ -6936,8 +6936,8 @@
         </p:nvSpPr>
         <p:spPr>
           <a:xfrm>
-            <a:off x="8974533" y="4410488"/>
-            <a:ext cx="3103029" cy="323165"/>
+            <a:off x="8866184" y="4410488"/>
+            <a:ext cx="3322641" cy="323165"/>
           </a:xfrm>
           <a:prstGeom prst="rect">
             <a:avLst/>
@@ -6957,16 +6957,20 @@
             </a:pPr>
             <a:r>
               <a:rPr lang="en-US" sz="1000" dirty="0"/>
-              <a:t>Source: https://</a:t>
-            </a:r>
-            <a:r>
-              <a:rPr lang="en-US" sz="1000" dirty="0" err="1"/>
-              <a:t>www.osti.gov</a:t>
-            </a:r>
-            <a:r>
-              <a:rPr lang="en-US" sz="1000" dirty="0"/>
-              <a:t>/servlets/purl/1909092</a:t>
-            </a:r>
+              <a:t>Source: </a:t>
+            </a:r>
+            <a:r>
+              <a:rPr lang="en-US" sz="1000" b="0" i="0" u="none" strike="noStrike" dirty="0">
+                <a:solidFill>
+                  <a:srgbClr val="3277B3"/>
+                </a:solidFill>
+                <a:effectLst/>
+                <a:latin typeface="Roboto" panose="02000000000000000000" pitchFamily="2" charset="0"/>
+                <a:hlinkClick r:id="rId7" tooltip="Document DOI URL"/>
+              </a:rPr>
+              <a:t>https://doi.org/10.1007/978-3-031-23606-8_9</a:t>
+            </a:r>
+            <a:endParaRPr lang="en-US" sz="1000" dirty="0"/>
           </a:p>
         </p:txBody>
       </p:sp>
@@ -16734,99 +16738,7 @@
                 <a:effectLst/>
                 <a:latin typeface="HelveticaNeue Regular"/>
               </a:rPr>
-              <a:t>: 10.1109/PyHPC.2016.005.</a:t>
-            </a:r>
-          </a:p>
-          <a:p>
-            <a:r>
-              <a:rPr lang="en-US" sz="2000" b="0" i="0" u="none" strike="noStrike" dirty="0">
-                <a:solidFill>
-                  <a:srgbClr val="333333"/>
-                </a:solidFill>
-                <a:effectLst/>
-                <a:latin typeface="HelveticaNeue Regular"/>
-              </a:rPr>
-              <a:t>S. Bharathi, A. Chervenak, E. </a:t>
-            </a:r>
-            <a:r>
-              <a:rPr lang="en-US" sz="2000" b="0" i="0" u="none" strike="noStrike" dirty="0" err="1">
-                <a:solidFill>
-                  <a:srgbClr val="333333"/>
-                </a:solidFill>
-                <a:effectLst/>
-                <a:latin typeface="HelveticaNeue Regular"/>
-              </a:rPr>
-              <a:t>Deelman</a:t>
-            </a:r>
-            <a:r>
-              <a:rPr lang="en-US" sz="2000" b="0" i="0" u="none" strike="noStrike" dirty="0">
-                <a:solidFill>
-                  <a:srgbClr val="333333"/>
-                </a:solidFill>
-                <a:effectLst/>
-                <a:latin typeface="HelveticaNeue Regular"/>
-              </a:rPr>
-              <a:t>, G. Mehta, M. -H. </a:t>
-            </a:r>
-            <a:r>
-              <a:rPr lang="en-US" sz="2000" b="0" i="0" u="none" strike="noStrike" dirty="0" err="1">
-                <a:solidFill>
-                  <a:srgbClr val="333333"/>
-                </a:solidFill>
-                <a:effectLst/>
-                <a:latin typeface="HelveticaNeue Regular"/>
-              </a:rPr>
-              <a:t>Su</a:t>
-            </a:r>
-            <a:r>
-              <a:rPr lang="en-US" sz="2000" b="0" i="0" u="none" strike="noStrike" dirty="0">
-                <a:solidFill>
-                  <a:srgbClr val="333333"/>
-                </a:solidFill>
-                <a:effectLst/>
-                <a:latin typeface="HelveticaNeue Regular"/>
-              </a:rPr>
-              <a:t> and K. </a:t>
-            </a:r>
-            <a:r>
-              <a:rPr lang="en-US" sz="2000" b="0" i="0" u="none" strike="noStrike" dirty="0" err="1">
-                <a:solidFill>
-                  <a:srgbClr val="333333"/>
-                </a:solidFill>
-                <a:effectLst/>
-                <a:latin typeface="HelveticaNeue Regular"/>
-              </a:rPr>
-              <a:t>Vahi</a:t>
-            </a:r>
-            <a:r>
-              <a:rPr lang="en-US" sz="2000" b="0" i="0" u="none" strike="noStrike" dirty="0">
-                <a:solidFill>
-                  <a:srgbClr val="333333"/>
-                </a:solidFill>
-                <a:effectLst/>
-                <a:latin typeface="HelveticaNeue Regular"/>
-              </a:rPr>
-              <a:t>, "Characterization of scientific workflows," </a:t>
-            </a:r>
-            <a:r>
-              <a:rPr lang="en-US" sz="2000" b="0" i="1" u="none" strike="noStrike" dirty="0">
-                <a:solidFill>
-                  <a:srgbClr val="333333"/>
-                </a:solidFill>
-                <a:effectLst/>
-                <a:latin typeface="HelveticaNeue Regular"/>
-              </a:rPr>
-              <a:t>2008 Third Workshop on Workflows in Support of Large-Scale Science</a:t>
-            </a:r>
-            <a:r>
-              <a:rPr lang="en-US" sz="2000" b="0" i="0" u="none" strike="noStrike" dirty="0">
-                <a:solidFill>
-                  <a:srgbClr val="333333"/>
-                </a:solidFill>
-                <a:effectLst/>
-                <a:latin typeface="HelveticaNeue Regular"/>
-              </a:rPr>
-              <a:t>, Austin, TX, USA, 2008, pp. 1-10, doi:</a:t>
+              <a:t>: </a:t>
             </a:r>
             <a:r>
               <a:rPr lang="en-US" sz="2000" b="0" i="0" u="none" strike="noStrike" dirty="0">
@@ -16837,7 +16749,7 @@
                 <a:latin typeface="HelveticaNeue Regular"/>
                 <a:hlinkClick r:id="rId3"/>
               </a:rPr>
-              <a:t>10.1109/WORKS.2008.4723958</a:t>
+              <a:t>10.1109/PyHPC.2016.005</a:t>
             </a:r>
             <a:r>
               <a:rPr lang="en-US" sz="2000" b="0" i="0" u="none" strike="noStrike" dirty="0">
@@ -16852,44 +16764,94 @@
           </a:p>
           <a:p>
             <a:r>
-              <a:rPr lang="en-US" sz="2000" b="0" i="0" u="none" strike="noStrike" dirty="0" err="1">
+              <a:rPr lang="en-US" sz="2000" b="0" i="0" u="none" strike="noStrike" dirty="0">
                 <a:solidFill>
                   <a:srgbClr val="333333"/>
                 </a:solidFill>
                 <a:effectLst/>
                 <a:latin typeface="HelveticaNeue Regular"/>
               </a:rPr>
-              <a:t>Blaschke</a:t>
-            </a:r>
-            <a:r>
-              <a:rPr lang="en-US" sz="2000" b="0" i="0" u="none" strike="noStrike" dirty="0">
+              <a:t>S. Bharathi, A. Chervenak, E. </a:t>
+            </a:r>
+            <a:r>
+              <a:rPr lang="en-US" sz="2000" b="0" i="0" u="none" strike="noStrike" dirty="0" err="1">
                 <a:solidFill>
                   <a:srgbClr val="333333"/>
                 </a:solidFill>
                 <a:effectLst/>
                 <a:latin typeface="HelveticaNeue Regular"/>
               </a:rPr>
-              <a:t>, Johannes P., Brewster, Aaron S., et. al. 2021. "Real-Time XFEL Data Analysis at SLAC and NERSC: a Trial Run of Nascent </a:t>
-            </a:r>
-            <a:r>
-              <a:rPr lang="en-US" sz="2000" b="0" i="0" u="none" strike="noStrike" dirty="0" err="1">
+              <a:t>Deelman</a:t>
+            </a:r>
+            <a:r>
+              <a:rPr lang="en-US" sz="2000" b="0" i="0" u="none" strike="noStrike" dirty="0">
                 <a:solidFill>
                   <a:srgbClr val="333333"/>
                 </a:solidFill>
                 <a:effectLst/>
                 <a:latin typeface="HelveticaNeue Regular"/>
               </a:rPr>
-              <a:t>Exascale</a:t>
-            </a:r>
-            <a:r>
-              <a:rPr lang="en-US" sz="2000" b="0" i="0" u="none" strike="noStrike" dirty="0">
+              <a:t>, G. Mehta, M. -H. </a:t>
+            </a:r>
+            <a:r>
+              <a:rPr lang="en-US" sz="2000" b="0" i="0" u="none" strike="noStrike" dirty="0" err="1">
                 <a:solidFill>
                   <a:srgbClr val="333333"/>
                 </a:solidFill>
                 <a:effectLst/>
                 <a:latin typeface="HelveticaNeue Regular"/>
               </a:rPr>
-              <a:t> Experimental Data Analysis". United States. </a:t>
+              <a:t>Su</a:t>
+            </a:r>
+            <a:r>
+              <a:rPr lang="en-US" sz="2000" b="0" i="0" u="none" strike="noStrike" dirty="0">
+                <a:solidFill>
+                  <a:srgbClr val="333333"/>
+                </a:solidFill>
+                <a:effectLst/>
+                <a:latin typeface="HelveticaNeue Regular"/>
+              </a:rPr>
+              <a:t> and K. </a:t>
+            </a:r>
+            <a:r>
+              <a:rPr lang="en-US" sz="2000" b="0" i="0" u="none" strike="noStrike" dirty="0" err="1">
+                <a:solidFill>
+                  <a:srgbClr val="333333"/>
+                </a:solidFill>
+                <a:effectLst/>
+                <a:latin typeface="HelveticaNeue Regular"/>
+              </a:rPr>
+              <a:t>Vahi</a:t>
+            </a:r>
+            <a:r>
+              <a:rPr lang="en-US" sz="2000" b="0" i="0" u="none" strike="noStrike" dirty="0">
+                <a:solidFill>
+                  <a:srgbClr val="333333"/>
+                </a:solidFill>
+                <a:effectLst/>
+                <a:latin typeface="HelveticaNeue Regular"/>
+              </a:rPr>
+              <a:t>, "Characterization of scientific workflows," </a:t>
+            </a:r>
+            <a:r>
+              <a:rPr lang="en-US" sz="2000" b="0" i="1" u="none" strike="noStrike" dirty="0">
+                <a:solidFill>
+                  <a:srgbClr val="333333"/>
+                </a:solidFill>
+                <a:effectLst/>
+                <a:latin typeface="HelveticaNeue Regular"/>
+              </a:rPr>
+              <a:t>2008 Third Workshop on Workflows in Support of Large-Scale Science</a:t>
+            </a:r>
+            <a:r>
+              <a:rPr lang="en-US" sz="2000" b="0" i="0" u="none" strike="noStrike" dirty="0">
+                <a:solidFill>
+                  <a:srgbClr val="333333"/>
+                </a:solidFill>
+                <a:effectLst/>
+                <a:latin typeface="HelveticaNeue Regular"/>
+              </a:rPr>
+              <a:t>, Austin, TX, USA, 2008, pp. 1-10, doi:</a:t>
             </a:r>
             <a:r>
               <a:rPr lang="en-US" sz="2000" b="0" i="0" u="none" strike="noStrike" dirty="0">
@@ -16900,7 +16862,7 @@
                 <a:latin typeface="HelveticaNeue Regular"/>
                 <a:hlinkClick r:id="rId4"/>
               </a:rPr>
-              <a:t>https://www.osti.gov/servlets/purl/1827927</a:t>
+              <a:t>10.1109/WORKS.2008.4723958</a:t>
             </a:r>
             <a:r>
               <a:rPr lang="en-US" sz="2000" b="0" i="0" u="none" strike="noStrike" dirty="0">
@@ -16915,14 +16877,44 @@
           </a:p>
           <a:p>
             <a:r>
-              <a:rPr lang="en-US" sz="2000" b="0" i="0" u="none" strike="noStrike" dirty="0">
+              <a:rPr lang="en-US" sz="2000" b="0" i="0" u="none" strike="noStrike" dirty="0" err="1">
                 <a:solidFill>
                   <a:srgbClr val="333333"/>
                 </a:solidFill>
                 <a:effectLst/>
                 <a:latin typeface="HelveticaNeue Regular"/>
               </a:rPr>
-              <a:t>Younge, Andrew J. 2021. "Containers and the Truth between HPC &amp; Cloud System Software Convergence.". United States. DOI:</a:t>
+              <a:t>Blaschke</a:t>
+            </a:r>
+            <a:r>
+              <a:rPr lang="en-US" sz="2000" b="0" i="0" u="none" strike="noStrike" dirty="0">
+                <a:solidFill>
+                  <a:srgbClr val="333333"/>
+                </a:solidFill>
+                <a:effectLst/>
+                <a:latin typeface="HelveticaNeue Regular"/>
+              </a:rPr>
+              <a:t>, Johannes P., Brewster, Aaron S., et. al. 2021. "Real-Time XFEL Data Analysis at SLAC and NERSC: a Trial Run of Nascent </a:t>
+            </a:r>
+            <a:r>
+              <a:rPr lang="en-US" sz="2000" b="0" i="0" u="none" strike="noStrike" dirty="0" err="1">
+                <a:solidFill>
+                  <a:srgbClr val="333333"/>
+                </a:solidFill>
+                <a:effectLst/>
+                <a:latin typeface="HelveticaNeue Regular"/>
+              </a:rPr>
+              <a:t>Exascale</a:t>
+            </a:r>
+            <a:r>
+              <a:rPr lang="en-US" sz="2000" b="0" i="0" u="none" strike="noStrike" dirty="0">
+                <a:solidFill>
+                  <a:srgbClr val="333333"/>
+                </a:solidFill>
+                <a:effectLst/>
+                <a:latin typeface="HelveticaNeue Regular"/>
+              </a:rPr>
+              <a:t> Experimental Data Analysis". United States. </a:t>
             </a:r>
             <a:r>
               <a:rPr lang="en-US" sz="2000" b="0" i="0" u="none" strike="noStrike" dirty="0">
@@ -16932,6 +16924,39 @@
                 <a:effectLst/>
                 <a:latin typeface="HelveticaNeue Regular"/>
                 <a:hlinkClick r:id="rId5"/>
+              </a:rPr>
+              <a:t>https://www.osti.gov/servlets/purl/1827927</a:t>
+            </a:r>
+            <a:r>
+              <a:rPr lang="en-US" sz="2000" b="0" i="0" u="none" strike="noStrike" dirty="0">
+                <a:solidFill>
+                  <a:srgbClr val="333333"/>
+                </a:solidFill>
+                <a:effectLst/>
+                <a:latin typeface="HelveticaNeue Regular"/>
+              </a:rPr>
+              <a:t>.</a:t>
+            </a:r>
+          </a:p>
+          <a:p>
+            <a:r>
+              <a:rPr lang="en-US" sz="2000" b="0" i="0" u="none" strike="noStrike" dirty="0">
+                <a:solidFill>
+                  <a:srgbClr val="333333"/>
+                </a:solidFill>
+                <a:effectLst/>
+                <a:latin typeface="HelveticaNeue Regular"/>
+              </a:rPr>
+              <a:t>Younge, Andrew J. 2021. "Containers and the Truth between HPC &amp; Cloud System Software Convergence.". United States. DOI:</a:t>
+            </a:r>
+            <a:r>
+              <a:rPr lang="en-US" sz="2000" b="0" i="0" u="none" strike="noStrike" dirty="0">
+                <a:solidFill>
+                  <a:srgbClr val="333333"/>
+                </a:solidFill>
+                <a:effectLst/>
+                <a:latin typeface="HelveticaNeue Regular"/>
+                <a:hlinkClick r:id="rId6"/>
               </a:rPr>
               <a:t>10.2172/1859696</a:t>
             </a:r>
@@ -22617,12 +22642,6 @@
 </file>
 
 <file path=customXml/item1.xml><?xml version="1.0" encoding="utf-8"?>
-<p:properties xmlns:p="http://schemas.microsoft.com/office/2006/metadata/properties" xmlns:xsi="http://www.w3.org/2001/XMLSchema-instance" xmlns:pc="http://schemas.microsoft.com/office/infopath/2007/PartnerControls">
-  <documentManagement/>
-</p:properties>
-</file>
-
-<file path=customXml/item2.xml><?xml version="1.0" encoding="utf-8"?>
 <ct:contentTypeSchema xmlns:ct="http://schemas.microsoft.com/office/2006/metadata/contentType" xmlns:ma="http://schemas.microsoft.com/office/2006/metadata/properties/metaAttributes" ct:_="" ma:_="" ma:contentTypeName="Document" ma:contentTypeID="0x010100565464437F680748A68B85EB6594EA7D" ma:contentTypeVersion="0" ma:contentTypeDescription="Create a new document." ma:contentTypeScope="" ma:versionID="fe3f4dd58d5914c51cfc6deaa8ad845c">
   <xsd:schema xmlns:xsd="http://www.w3.org/2001/XMLSchema" xmlns:p="http://schemas.microsoft.com/office/2006/metadata/properties" targetNamespace="http://schemas.microsoft.com/office/2006/metadata/properties" ma:root="true" ma:fieldsID="4aeb20c0e3442673af7ee10786458764">
     <xsd:element name="properties">
@@ -22671,6 +22690,12 @@
 </ct:contentTypeSchema>
 </file>
 
+<file path=customXml/item2.xml><?xml version="1.0" encoding="utf-8"?>
+<p:properties xmlns:p="http://schemas.microsoft.com/office/2006/metadata/properties" xmlns:xsi="http://www.w3.org/2001/XMLSchema-instance" xmlns:pc="http://schemas.microsoft.com/office/infopath/2007/PartnerControls">
+  <documentManagement/>
+</p:properties>
+</file>
+
 <file path=customXml/item3.xml><?xml version="1.0" encoding="utf-8"?>
 <?mso-contentType ?>
 <FormTemplates xmlns="http://schemas.microsoft.com/sharepoint/v3/contenttype/forms">
@@ -22681,6 +22706,21 @@
 </file>
 
 <file path=customXml/itemProps1.xml><?xml version="1.0" encoding="utf-8"?>
+<ds:datastoreItem xmlns:ds="http://schemas.openxmlformats.org/officeDocument/2006/customXml" ds:itemID="{E8DB7DEB-074E-4EE8-9B6E-FD277323109C}">
+  <ds:schemaRefs>
+    <ds:schemaRef ds:uri="http://schemas.microsoft.com/office/2006/metadata/contentType"/>
+    <ds:schemaRef ds:uri="http://schemas.microsoft.com/office/2006/metadata/properties/metaAttributes"/>
+    <ds:schemaRef ds:uri="http://www.w3.org/2001/XMLSchema"/>
+    <ds:schemaRef ds:uri="http://schemas.microsoft.com/office/2006/metadata/properties"/>
+    <ds:schemaRef ds:uri="http://schemas.openxmlformats.org/package/2006/metadata/core-properties"/>
+    <ds:schemaRef ds:uri="http://purl.org/dc/elements/1.1/"/>
+    <ds:schemaRef ds:uri="http://purl.org/dc/terms/"/>
+    <ds:schemaRef ds:uri="http://schemas.microsoft.com/office/internal/2005/internalDocumentation"/>
+  </ds:schemaRefs>
+</ds:datastoreItem>
+</file>
+
+<file path=customXml/itemProps2.xml><?xml version="1.0" encoding="utf-8"?>
 <ds:datastoreItem xmlns:ds="http://schemas.openxmlformats.org/officeDocument/2006/customXml" ds:itemID="{A50EC660-24D0-43A0-AE5E-E274115E726B}">
   <ds:schemaRefs>
     <ds:schemaRef ds:uri="http://purl.org/dc/elements/1.1/"/>
@@ -22695,21 +22735,6 @@
 </ds:datastoreItem>
 </file>
 
-<file path=customXml/itemProps2.xml><?xml version="1.0" encoding="utf-8"?>
-<ds:datastoreItem xmlns:ds="http://schemas.openxmlformats.org/officeDocument/2006/customXml" ds:itemID="{E8DB7DEB-074E-4EE8-9B6E-FD277323109C}">
-  <ds:schemaRefs>
-    <ds:schemaRef ds:uri="http://schemas.microsoft.com/office/2006/metadata/contentType"/>
-    <ds:schemaRef ds:uri="http://schemas.microsoft.com/office/2006/metadata/properties/metaAttributes"/>
-    <ds:schemaRef ds:uri="http://www.w3.org/2001/XMLSchema"/>
-    <ds:schemaRef ds:uri="http://schemas.microsoft.com/office/2006/metadata/properties"/>
-    <ds:schemaRef ds:uri="http://schemas.openxmlformats.org/package/2006/metadata/core-properties"/>
-    <ds:schemaRef ds:uri="http://purl.org/dc/elements/1.1/"/>
-    <ds:schemaRef ds:uri="http://purl.org/dc/terms/"/>
-    <ds:schemaRef ds:uri="http://schemas.microsoft.com/office/internal/2005/internalDocumentation"/>
-  </ds:schemaRefs>
-</ds:datastoreItem>
-</file>
-
 <file path=customXml/itemProps3.xml><?xml version="1.0" encoding="utf-8"?>
 <ds:datastoreItem xmlns:ds="http://schemas.openxmlformats.org/officeDocument/2006/customXml" ds:itemID="{19E20559-B232-4371-8690-E3D8007EDB82}">
   <ds:schemaRefs>

--- a/rep-workflows.pptx
+++ b/rep-workflows.pptx
@@ -290,7 +290,7 @@
           <a:p>
             <a:fld id="{0B842F42-2CE9-4E35-95C1-410DC08A50B1}" type="datetimeFigureOut">
               <a:rPr lang="en-US" smtClean="0"/>
-              <a:t>11/3/2023</a:t>
+              <a:t>11/11/2023</a:t>
             </a:fld>
             <a:endParaRPr lang="en-US"/>
           </a:p>
@@ -455,7 +455,7 @@
           <a:p>
             <a:fld id="{6F282904-F315-4730-8D91-37D99E141A6F}" type="datetimeFigureOut">
               <a:rPr lang="en-US" smtClean="0"/>
-              <a:t>11/3/2023</a:t>
+              <a:t>11/11/2023</a:t>
             </a:fld>
             <a:endParaRPr lang="en-US"/>
           </a:p>
@@ -7542,19 +7542,7 @@
               <a:rPr lang="en-US" sz="1000" dirty="0">
                 <a:hlinkClick r:id="rId4"/>
               </a:rPr>
-              <a:t>https://</a:t>
-            </a:r>
-            <a:r>
-              <a:rPr lang="en-US" sz="1000" dirty="0" err="1">
-                <a:hlinkClick r:id="rId4"/>
-              </a:rPr>
-              <a:t>www.nersc.gov</a:t>
-            </a:r>
-            <a:r>
-              <a:rPr lang="en-US" sz="1000" dirty="0">
-                <a:hlinkClick r:id="rId4"/>
-              </a:rPr>
-              <a:t>/assets/NERSC-10/Workflows-Archetypes-White-Paper-v1.0.pdf</a:t>
+              <a:t>https://www.nersc.gov/assets/NERSC-10/Workflows-Archetypes-White-Paper-v1.0.pdf</a:t>
             </a:r>
             <a:endParaRPr lang="en-US" sz="1000" dirty="0"/>
           </a:p>
@@ -16636,7 +16624,7 @@
                   <a:srgbClr val="333333"/>
                 </a:solidFill>
                 <a:effectLst/>
-                <a:latin typeface="HelveticaNeue Regular"/>
+                <a:latin typeface="+mn-lt"/>
               </a:rPr>
               <a:t>C. Harris, P. O'Leary, M. </a:t>
             </a:r>
@@ -16646,7 +16634,7 @@
                   <a:srgbClr val="333333"/>
                 </a:solidFill>
                 <a:effectLst/>
-                <a:latin typeface="HelveticaNeue Regular"/>
+                <a:latin typeface="+mn-lt"/>
               </a:rPr>
               <a:t>Grauer</a:t>
             </a:r>
@@ -16656,7 +16644,7 @@
                   <a:srgbClr val="333333"/>
                 </a:solidFill>
                 <a:effectLst/>
-                <a:latin typeface="HelveticaNeue Regular"/>
+                <a:latin typeface="+mn-lt"/>
               </a:rPr>
               <a:t>, A. Chaudhary, C. </a:t>
             </a:r>
@@ -16666,7 +16654,7 @@
                   <a:srgbClr val="333333"/>
                 </a:solidFill>
                 <a:effectLst/>
-                <a:latin typeface="HelveticaNeue Regular"/>
+                <a:latin typeface="+mn-lt"/>
               </a:rPr>
               <a:t>Kotfila</a:t>
             </a:r>
@@ -16676,7 +16664,7 @@
                   <a:srgbClr val="333333"/>
                 </a:solidFill>
                 <a:effectLst/>
-                <a:latin typeface="HelveticaNeue Regular"/>
+                <a:latin typeface="+mn-lt"/>
               </a:rPr>
               <a:t> and R. </a:t>
             </a:r>
@@ -16686,7 +16674,7 @@
                   <a:srgbClr val="333333"/>
                 </a:solidFill>
                 <a:effectLst/>
-                <a:latin typeface="HelveticaNeue Regular"/>
+                <a:latin typeface="+mn-lt"/>
               </a:rPr>
               <a:t>O'Bara</a:t>
             </a:r>
@@ -16696,7 +16684,7 @@
                   <a:srgbClr val="333333"/>
                 </a:solidFill>
                 <a:effectLst/>
-                <a:latin typeface="HelveticaNeue Regular"/>
+                <a:latin typeface="+mn-lt"/>
               </a:rPr>
               <a:t>, "Dynamic Provisioning and Execution of HPC Workflows Using Python," 2016 6th Workshop on Python for High-Performance and Scientific Computing (</a:t>
             </a:r>
@@ -16706,7 +16694,7 @@
                   <a:srgbClr val="333333"/>
                 </a:solidFill>
                 <a:effectLst/>
-                <a:latin typeface="HelveticaNeue Regular"/>
+                <a:latin typeface="+mn-lt"/>
               </a:rPr>
               <a:t>PyHPC</a:t>
             </a:r>
@@ -16716,7 +16704,7 @@
                   <a:srgbClr val="333333"/>
                 </a:solidFill>
                 <a:effectLst/>
-                <a:latin typeface="HelveticaNeue Regular"/>
+                <a:latin typeface="+mn-lt"/>
               </a:rPr>
               <a:t>), Salt Lake City, UT, USA, 2016, pp. 1-8, </a:t>
             </a:r>
@@ -16726,7 +16714,7 @@
                   <a:srgbClr val="333333"/>
                 </a:solidFill>
                 <a:effectLst/>
-                <a:latin typeface="HelveticaNeue Regular"/>
+                <a:latin typeface="+mn-lt"/>
               </a:rPr>
               <a:t>doi</a:t>
             </a:r>
@@ -16736,7 +16724,7 @@
                   <a:srgbClr val="333333"/>
                 </a:solidFill>
                 <a:effectLst/>
-                <a:latin typeface="HelveticaNeue Regular"/>
+                <a:latin typeface="+mn-lt"/>
               </a:rPr>
               <a:t>: </a:t>
             </a:r>
@@ -16746,7 +16734,7 @@
                   <a:srgbClr val="333333"/>
                 </a:solidFill>
                 <a:effectLst/>
-                <a:latin typeface="HelveticaNeue Regular"/>
+                <a:latin typeface="+mn-lt"/>
                 <a:hlinkClick r:id="rId3"/>
               </a:rPr>
               <a:t>10.1109/PyHPC.2016.005</a:t>
@@ -16757,7 +16745,7 @@
                   <a:srgbClr val="333333"/>
                 </a:solidFill>
                 <a:effectLst/>
-                <a:latin typeface="HelveticaNeue Regular"/>
+                <a:latin typeface="+mn-lt"/>
               </a:rPr>
               <a:t>.</a:t>
             </a:r>
@@ -16769,7 +16757,7 @@
                   <a:srgbClr val="333333"/>
                 </a:solidFill>
                 <a:effectLst/>
-                <a:latin typeface="HelveticaNeue Regular"/>
+                <a:latin typeface="+mn-lt"/>
               </a:rPr>
               <a:t>S. Bharathi, A. Chervenak, E. </a:t>
             </a:r>
@@ -16779,7 +16767,7 @@
                   <a:srgbClr val="333333"/>
                 </a:solidFill>
                 <a:effectLst/>
-                <a:latin typeface="HelveticaNeue Regular"/>
+                <a:latin typeface="+mn-lt"/>
               </a:rPr>
               <a:t>Deelman</a:t>
             </a:r>
@@ -16789,7 +16777,7 @@
                   <a:srgbClr val="333333"/>
                 </a:solidFill>
                 <a:effectLst/>
-                <a:latin typeface="HelveticaNeue Regular"/>
+                <a:latin typeface="+mn-lt"/>
               </a:rPr>
               <a:t>, G. Mehta, M. -H. </a:t>
             </a:r>
@@ -16799,7 +16787,7 @@
                   <a:srgbClr val="333333"/>
                 </a:solidFill>
                 <a:effectLst/>
-                <a:latin typeface="HelveticaNeue Regular"/>
+                <a:latin typeface="+mn-lt"/>
               </a:rPr>
               <a:t>Su</a:t>
             </a:r>
@@ -16809,7 +16797,7 @@
                   <a:srgbClr val="333333"/>
                 </a:solidFill>
                 <a:effectLst/>
-                <a:latin typeface="HelveticaNeue Regular"/>
+                <a:latin typeface="+mn-lt"/>
               </a:rPr>
               <a:t> and K. </a:t>
             </a:r>
@@ -16819,7 +16807,7 @@
                   <a:srgbClr val="333333"/>
                 </a:solidFill>
                 <a:effectLst/>
-                <a:latin typeface="HelveticaNeue Regular"/>
+                <a:latin typeface="+mn-lt"/>
               </a:rPr>
               <a:t>Vahi</a:t>
             </a:r>
@@ -16829,7 +16817,7 @@
                   <a:srgbClr val="333333"/>
                 </a:solidFill>
                 <a:effectLst/>
-                <a:latin typeface="HelveticaNeue Regular"/>
+                <a:latin typeface="+mn-lt"/>
               </a:rPr>
               <a:t>, "Characterization of scientific workflows," </a:t>
             </a:r>
@@ -16839,7 +16827,7 @@
                   <a:srgbClr val="333333"/>
                 </a:solidFill>
                 <a:effectLst/>
-                <a:latin typeface="HelveticaNeue Regular"/>
+                <a:latin typeface="+mn-lt"/>
               </a:rPr>
               <a:t>2008 Third Workshop on Workflows in Support of Large-Scale Science</a:t>
             </a:r>
@@ -16849,7 +16837,7 @@
                   <a:srgbClr val="333333"/>
                 </a:solidFill>
                 <a:effectLst/>
-                <a:latin typeface="HelveticaNeue Regular"/>
+                <a:latin typeface="+mn-lt"/>
               </a:rPr>
               <a:t>, Austin, TX, USA, 2008, pp. 1-10, doi:</a:t>
             </a:r>
@@ -16859,7 +16847,7 @@
                   <a:srgbClr val="333333"/>
                 </a:solidFill>
                 <a:effectLst/>
-                <a:latin typeface="HelveticaNeue Regular"/>
+                <a:latin typeface="+mn-lt"/>
                 <a:hlinkClick r:id="rId4"/>
               </a:rPr>
               <a:t>10.1109/WORKS.2008.4723958</a:t>
@@ -16870,7 +16858,7 @@
                   <a:srgbClr val="333333"/>
                 </a:solidFill>
                 <a:effectLst/>
-                <a:latin typeface="HelveticaNeue Regular"/>
+                <a:latin typeface="+mn-lt"/>
               </a:rPr>
               <a:t>.</a:t>
             </a:r>
@@ -16882,7 +16870,7 @@
                   <a:srgbClr val="333333"/>
                 </a:solidFill>
                 <a:effectLst/>
-                <a:latin typeface="HelveticaNeue Regular"/>
+                <a:latin typeface="+mn-lt"/>
               </a:rPr>
               <a:t>Blaschke</a:t>
             </a:r>
@@ -16892,29 +16880,42 @@
                   <a:srgbClr val="333333"/>
                 </a:solidFill>
                 <a:effectLst/>
-                <a:latin typeface="HelveticaNeue Regular"/>
-              </a:rPr>
-              <a:t>, Johannes P., Brewster, Aaron S., et. al. 2021. "Real-Time XFEL Data Analysis at SLAC and NERSC: a Trial Run of Nascent </a:t>
-            </a:r>
-            <a:r>
-              <a:rPr lang="en-US" sz="2000" b="0" i="0" u="none" strike="noStrike" dirty="0" err="1">
+                <a:latin typeface="+mn-lt"/>
+              </a:rPr>
+              <a:t>, Johannes P., Brewster, Aaron S., et. al. 2021. "Real-Time XFEL Data Analysis at SLAC and NERSC: a Trial Run of Nascent Exascale Experimental Data Analysis". doi:</a:t>
+            </a:r>
+            <a:r>
+              <a:rPr lang="en-US" sz="2000" b="0" u="sng" dirty="0">
+                <a:solidFill>
+                  <a:srgbClr val="000000"/>
+                </a:solidFill>
+                <a:effectLst/>
+                <a:latin typeface="+mn-lt"/>
+                <a:hlinkClick r:id="rId5"/>
+              </a:rPr>
+              <a:t>10.48550/arXiv.2106.11469</a:t>
+            </a:r>
+            <a:r>
+              <a:rPr lang="en-US" sz="2000" b="0" i="0" u="none" strike="noStrike" dirty="0">
                 <a:solidFill>
                   <a:srgbClr val="333333"/>
                 </a:solidFill>
                 <a:effectLst/>
-                <a:latin typeface="HelveticaNeue Regular"/>
-              </a:rPr>
-              <a:t>Exascale</a:t>
-            </a:r>
+                <a:latin typeface="+mn-lt"/>
+              </a:rPr>
+              <a:t>.</a:t>
+            </a:r>
+          </a:p>
+          <a:p>
             <a:r>
               <a:rPr lang="en-US" sz="2000" b="0" i="0" u="none" strike="noStrike" dirty="0">
                 <a:solidFill>
                   <a:srgbClr val="333333"/>
                 </a:solidFill>
                 <a:effectLst/>
-                <a:latin typeface="HelveticaNeue Regular"/>
-              </a:rPr>
-              <a:t> Experimental Data Analysis". United States. </a:t>
+                <a:latin typeface="+mn-lt"/>
+              </a:rPr>
+              <a:t>Younge, Andrew J. 2021. "Containers and the Truth between HPC &amp; Cloud System Software Convergence.". DOI:</a:t>
             </a:r>
             <a:r>
               <a:rPr lang="en-US" sz="2000" b="0" i="0" u="none" strike="noStrike" dirty="0">
@@ -16922,10 +16923,10 @@
                   <a:srgbClr val="333333"/>
                 </a:solidFill>
                 <a:effectLst/>
-                <a:latin typeface="HelveticaNeue Regular"/>
-                <a:hlinkClick r:id="rId5"/>
-              </a:rPr>
-              <a:t>https://www.osti.gov/servlets/purl/1827927</a:t>
+                <a:latin typeface="+mn-lt"/>
+                <a:hlinkClick r:id="rId6"/>
+              </a:rPr>
+              <a:t>10.2172/1859696</a:t>
             </a:r>
             <a:r>
               <a:rPr lang="en-US" sz="2000" b="0" i="0" u="none" strike="noStrike" dirty="0">
@@ -16933,40 +16934,7 @@
                   <a:srgbClr val="333333"/>
                 </a:solidFill>
                 <a:effectLst/>
-                <a:latin typeface="HelveticaNeue Regular"/>
-              </a:rPr>
-              <a:t>.</a:t>
-            </a:r>
-          </a:p>
-          <a:p>
-            <a:r>
-              <a:rPr lang="en-US" sz="2000" b="0" i="0" u="none" strike="noStrike" dirty="0">
-                <a:solidFill>
-                  <a:srgbClr val="333333"/>
-                </a:solidFill>
-                <a:effectLst/>
-                <a:latin typeface="HelveticaNeue Regular"/>
-              </a:rPr>
-              <a:t>Younge, Andrew J. 2021. "Containers and the Truth between HPC &amp; Cloud System Software Convergence.". United States. DOI:</a:t>
-            </a:r>
-            <a:r>
-              <a:rPr lang="en-US" sz="2000" b="0" i="0" u="none" strike="noStrike" dirty="0">
-                <a:solidFill>
-                  <a:srgbClr val="333333"/>
-                </a:solidFill>
-                <a:effectLst/>
-                <a:latin typeface="HelveticaNeue Regular"/>
-                <a:hlinkClick r:id="rId6"/>
-              </a:rPr>
-              <a:t>10.2172/1859696</a:t>
-            </a:r>
-            <a:r>
-              <a:rPr lang="en-US" sz="2000" b="0" i="0" u="none" strike="noStrike" dirty="0">
-                <a:solidFill>
-                  <a:srgbClr val="333333"/>
-                </a:solidFill>
-                <a:effectLst/>
-                <a:latin typeface="HelveticaNeue Regular"/>
+                <a:latin typeface="+mn-lt"/>
               </a:rPr>
               <a:t>. </a:t>
             </a:r>
@@ -22642,6 +22610,21 @@
 </file>
 
 <file path=customXml/item1.xml><?xml version="1.0" encoding="utf-8"?>
+<?mso-contentType ?>
+<FormTemplates xmlns="http://schemas.microsoft.com/sharepoint/v3/contenttype/forms">
+  <Display>DocumentLibraryForm</Display>
+  <Edit>DocumentLibraryForm</Edit>
+  <New>DocumentLibraryForm</New>
+</FormTemplates>
+</file>
+
+<file path=customXml/item2.xml><?xml version="1.0" encoding="utf-8"?>
+<p:properties xmlns:p="http://schemas.microsoft.com/office/2006/metadata/properties" xmlns:xsi="http://www.w3.org/2001/XMLSchema-instance" xmlns:pc="http://schemas.microsoft.com/office/infopath/2007/PartnerControls">
+  <documentManagement/>
+</p:properties>
+</file>
+
+<file path=customXml/item3.xml><?xml version="1.0" encoding="utf-8"?>
 <ct:contentTypeSchema xmlns:ct="http://schemas.microsoft.com/office/2006/metadata/contentType" xmlns:ma="http://schemas.microsoft.com/office/2006/metadata/properties/metaAttributes" ct:_="" ma:_="" ma:contentTypeName="Document" ma:contentTypeID="0x010100565464437F680748A68B85EB6594EA7D" ma:contentTypeVersion="0" ma:contentTypeDescription="Create a new document." ma:contentTypeScope="" ma:versionID="fe3f4dd58d5914c51cfc6deaa8ad845c">
   <xsd:schema xmlns:xsd="http://www.w3.org/2001/XMLSchema" xmlns:p="http://schemas.microsoft.com/office/2006/metadata/properties" targetNamespace="http://schemas.microsoft.com/office/2006/metadata/properties" ma:root="true" ma:fieldsID="4aeb20c0e3442673af7ee10786458764">
     <xsd:element name="properties">
@@ -22690,32 +22673,10 @@
 </ct:contentTypeSchema>
 </file>
 
-<file path=customXml/item2.xml><?xml version="1.0" encoding="utf-8"?>
-<p:properties xmlns:p="http://schemas.microsoft.com/office/2006/metadata/properties" xmlns:xsi="http://www.w3.org/2001/XMLSchema-instance" xmlns:pc="http://schemas.microsoft.com/office/infopath/2007/PartnerControls">
-  <documentManagement/>
-</p:properties>
-</file>
-
-<file path=customXml/item3.xml><?xml version="1.0" encoding="utf-8"?>
-<?mso-contentType ?>
-<FormTemplates xmlns="http://schemas.microsoft.com/sharepoint/v3/contenttype/forms">
-  <Display>DocumentLibraryForm</Display>
-  <Edit>DocumentLibraryForm</Edit>
-  <New>DocumentLibraryForm</New>
-</FormTemplates>
-</file>
-
 <file path=customXml/itemProps1.xml><?xml version="1.0" encoding="utf-8"?>
-<ds:datastoreItem xmlns:ds="http://schemas.openxmlformats.org/officeDocument/2006/customXml" ds:itemID="{E8DB7DEB-074E-4EE8-9B6E-FD277323109C}">
+<ds:datastoreItem xmlns:ds="http://schemas.openxmlformats.org/officeDocument/2006/customXml" ds:itemID="{19E20559-B232-4371-8690-E3D8007EDB82}">
   <ds:schemaRefs>
-    <ds:schemaRef ds:uri="http://schemas.microsoft.com/office/2006/metadata/contentType"/>
-    <ds:schemaRef ds:uri="http://schemas.microsoft.com/office/2006/metadata/properties/metaAttributes"/>
-    <ds:schemaRef ds:uri="http://www.w3.org/2001/XMLSchema"/>
-    <ds:schemaRef ds:uri="http://schemas.microsoft.com/office/2006/metadata/properties"/>
-    <ds:schemaRef ds:uri="http://schemas.openxmlformats.org/package/2006/metadata/core-properties"/>
-    <ds:schemaRef ds:uri="http://purl.org/dc/elements/1.1/"/>
-    <ds:schemaRef ds:uri="http://purl.org/dc/terms/"/>
-    <ds:schemaRef ds:uri="http://schemas.microsoft.com/office/internal/2005/internalDocumentation"/>
+    <ds:schemaRef ds:uri="http://schemas.microsoft.com/sharepoint/v3/contenttype/forms"/>
   </ds:schemaRefs>
 </ds:datastoreItem>
 </file>
@@ -22736,9 +22697,16 @@
 </file>
 
 <file path=customXml/itemProps3.xml><?xml version="1.0" encoding="utf-8"?>
-<ds:datastoreItem xmlns:ds="http://schemas.openxmlformats.org/officeDocument/2006/customXml" ds:itemID="{19E20559-B232-4371-8690-E3D8007EDB82}">
+<ds:datastoreItem xmlns:ds="http://schemas.openxmlformats.org/officeDocument/2006/customXml" ds:itemID="{E8DB7DEB-074E-4EE8-9B6E-FD277323109C}">
   <ds:schemaRefs>
-    <ds:schemaRef ds:uri="http://schemas.microsoft.com/sharepoint/v3/contenttype/forms"/>
+    <ds:schemaRef ds:uri="http://schemas.microsoft.com/office/2006/metadata/contentType"/>
+    <ds:schemaRef ds:uri="http://schemas.microsoft.com/office/2006/metadata/properties/metaAttributes"/>
+    <ds:schemaRef ds:uri="http://www.w3.org/2001/XMLSchema"/>
+    <ds:schemaRef ds:uri="http://schemas.microsoft.com/office/2006/metadata/properties"/>
+    <ds:schemaRef ds:uri="http://schemas.openxmlformats.org/package/2006/metadata/core-properties"/>
+    <ds:schemaRef ds:uri="http://purl.org/dc/elements/1.1/"/>
+    <ds:schemaRef ds:uri="http://purl.org/dc/terms/"/>
+    <ds:schemaRef ds:uri="http://schemas.microsoft.com/office/internal/2005/internalDocumentation"/>
   </ds:schemaRefs>
 </ds:datastoreItem>
 </file>
--- a/rep-workflows.pptx
+++ b/rep-workflows.pptx
@@ -12,10 +12,10 @@
   </p:handoutMasterIdLst>
   <p:sldIdLst>
     <p:sldId id="256" r:id="rId5"/>
-    <p:sldId id="320" r:id="rId6"/>
+    <p:sldId id="1853" r:id="rId6"/>
     <p:sldId id="5595" r:id="rId7"/>
     <p:sldId id="5596" r:id="rId8"/>
-    <p:sldId id="1853" r:id="rId9"/>
+    <p:sldId id="5597" r:id="rId9"/>
     <p:sldId id="1871" r:id="rId10"/>
     <p:sldId id="1851" r:id="rId11"/>
     <p:sldId id="1856" r:id="rId12"/>
@@ -290,7 +290,7 @@
           <a:p>
             <a:fld id="{0B842F42-2CE9-4E35-95C1-410DC08A50B1}" type="datetimeFigureOut">
               <a:rPr lang="en-US" smtClean="0"/>
-              <a:t>11/11/2023</a:t>
+              <a:t>6/12/24</a:t>
             </a:fld>
             <a:endParaRPr lang="en-US"/>
           </a:p>
@@ -455,7 +455,7 @@
           <a:p>
             <a:fld id="{6F282904-F315-4730-8D91-37D99E141A6F}" type="datetimeFigureOut">
               <a:rPr lang="en-US" smtClean="0"/>
-              <a:t>11/11/2023</a:t>
+              <a:t>6/12/24</a:t>
             </a:fld>
             <a:endParaRPr lang="en-US"/>
           </a:p>
@@ -796,7 +796,7 @@
     </p:spTree>
     <p:extLst>
       <p:ext uri="{BB962C8B-B14F-4D97-AF65-F5344CB8AC3E}">
-        <p14:creationId xmlns:p14="http://schemas.microsoft.com/office/powerpoint/2010/main" val="2512348855"/>
+        <p14:creationId xmlns:p14="http://schemas.microsoft.com/office/powerpoint/2010/main" val="3563139237"/>
       </p:ext>
     </p:extLst>
   </p:cSld>
@@ -880,7 +880,7 @@
     </p:spTree>
     <p:extLst>
       <p:ext uri="{BB962C8B-B14F-4D97-AF65-F5344CB8AC3E}">
-        <p14:creationId xmlns:p14="http://schemas.microsoft.com/office/powerpoint/2010/main" val="659470820"/>
+        <p14:creationId xmlns:p14="http://schemas.microsoft.com/office/powerpoint/2010/main" val="1713563450"/>
       </p:ext>
     </p:extLst>
   </p:cSld>
@@ -964,7 +964,7 @@
     </p:spTree>
     <p:extLst>
       <p:ext uri="{BB962C8B-B14F-4D97-AF65-F5344CB8AC3E}">
-        <p14:creationId xmlns:p14="http://schemas.microsoft.com/office/powerpoint/2010/main" val="2041398976"/>
+        <p14:creationId xmlns:p14="http://schemas.microsoft.com/office/powerpoint/2010/main" val="1276977559"/>
       </p:ext>
     </p:extLst>
   </p:cSld>
@@ -1048,7 +1048,7 @@
     </p:spTree>
     <p:extLst>
       <p:ext uri="{BB962C8B-B14F-4D97-AF65-F5344CB8AC3E}">
-        <p14:creationId xmlns:p14="http://schemas.microsoft.com/office/powerpoint/2010/main" val="3462249462"/>
+        <p14:creationId xmlns:p14="http://schemas.microsoft.com/office/powerpoint/2010/main" val="2964821193"/>
       </p:ext>
     </p:extLst>
   </p:cSld>
@@ -1132,7 +1132,7 @@
     </p:spTree>
     <p:extLst>
       <p:ext uri="{BB962C8B-B14F-4D97-AF65-F5344CB8AC3E}">
-        <p14:creationId xmlns:p14="http://schemas.microsoft.com/office/powerpoint/2010/main" val="704707959"/>
+        <p14:creationId xmlns:p14="http://schemas.microsoft.com/office/powerpoint/2010/main" val="251307211"/>
       </p:ext>
     </p:extLst>
   </p:cSld>
@@ -1216,7 +1216,7 @@
     </p:spTree>
     <p:extLst>
       <p:ext uri="{BB962C8B-B14F-4D97-AF65-F5344CB8AC3E}">
-        <p14:creationId xmlns:p14="http://schemas.microsoft.com/office/powerpoint/2010/main" val="2863579117"/>
+        <p14:creationId xmlns:p14="http://schemas.microsoft.com/office/powerpoint/2010/main" val="255818384"/>
       </p:ext>
     </p:extLst>
   </p:cSld>
@@ -1300,7 +1300,7 @@
     </p:spTree>
     <p:extLst>
       <p:ext uri="{BB962C8B-B14F-4D97-AF65-F5344CB8AC3E}">
-        <p14:creationId xmlns:p14="http://schemas.microsoft.com/office/powerpoint/2010/main" val="4007233296"/>
+        <p14:creationId xmlns:p14="http://schemas.microsoft.com/office/powerpoint/2010/main" val="3190996388"/>
       </p:ext>
     </p:extLst>
   </p:cSld>
@@ -1384,7 +1384,7 @@
     </p:spTree>
     <p:extLst>
       <p:ext uri="{BB962C8B-B14F-4D97-AF65-F5344CB8AC3E}">
-        <p14:creationId xmlns:p14="http://schemas.microsoft.com/office/powerpoint/2010/main" val="3225291670"/>
+        <p14:creationId xmlns:p14="http://schemas.microsoft.com/office/powerpoint/2010/main" val="1779600137"/>
       </p:ext>
     </p:extLst>
   </p:cSld>
@@ -1468,7 +1468,7 @@
     </p:spTree>
     <p:extLst>
       <p:ext uri="{BB962C8B-B14F-4D97-AF65-F5344CB8AC3E}">
-        <p14:creationId xmlns:p14="http://schemas.microsoft.com/office/powerpoint/2010/main" val="2697639467"/>
+        <p14:creationId xmlns:p14="http://schemas.microsoft.com/office/powerpoint/2010/main" val="642815556"/>
       </p:ext>
     </p:extLst>
   </p:cSld>
@@ -1552,7 +1552,7 @@
     </p:spTree>
     <p:extLst>
       <p:ext uri="{BB962C8B-B14F-4D97-AF65-F5344CB8AC3E}">
-        <p14:creationId xmlns:p14="http://schemas.microsoft.com/office/powerpoint/2010/main" val="3591820037"/>
+        <p14:creationId xmlns:p14="http://schemas.microsoft.com/office/powerpoint/2010/main" val="3292573109"/>
       </p:ext>
     </p:extLst>
   </p:cSld>
@@ -1636,7 +1636,7 @@
     </p:spTree>
     <p:extLst>
       <p:ext uri="{BB962C8B-B14F-4D97-AF65-F5344CB8AC3E}">
-        <p14:creationId xmlns:p14="http://schemas.microsoft.com/office/powerpoint/2010/main" val="3750032961"/>
+        <p14:creationId xmlns:p14="http://schemas.microsoft.com/office/powerpoint/2010/main" val="2135059493"/>
       </p:ext>
     </p:extLst>
   </p:cSld>
@@ -1720,7 +1720,7 @@
     </p:spTree>
     <p:extLst>
       <p:ext uri="{BB962C8B-B14F-4D97-AF65-F5344CB8AC3E}">
-        <p14:creationId xmlns:p14="http://schemas.microsoft.com/office/powerpoint/2010/main" val="3506007200"/>
+        <p14:creationId xmlns:p14="http://schemas.microsoft.com/office/powerpoint/2010/main" val="2104504190"/>
       </p:ext>
     </p:extLst>
   </p:cSld>
@@ -1804,7 +1804,7 @@
     </p:spTree>
     <p:extLst>
       <p:ext uri="{BB962C8B-B14F-4D97-AF65-F5344CB8AC3E}">
-        <p14:creationId xmlns:p14="http://schemas.microsoft.com/office/powerpoint/2010/main" val="165453965"/>
+        <p14:creationId xmlns:p14="http://schemas.microsoft.com/office/powerpoint/2010/main" val="3787357484"/>
       </p:ext>
     </p:extLst>
   </p:cSld>
@@ -1888,7 +1888,7 @@
     </p:spTree>
     <p:extLst>
       <p:ext uri="{BB962C8B-B14F-4D97-AF65-F5344CB8AC3E}">
-        <p14:creationId xmlns:p14="http://schemas.microsoft.com/office/powerpoint/2010/main" val="3880929203"/>
+        <p14:creationId xmlns:p14="http://schemas.microsoft.com/office/powerpoint/2010/main" val="1134463116"/>
       </p:ext>
     </p:extLst>
   </p:cSld>
@@ -1972,7 +1972,7 @@
     </p:spTree>
     <p:extLst>
       <p:ext uri="{BB962C8B-B14F-4D97-AF65-F5344CB8AC3E}">
-        <p14:creationId xmlns:p14="http://schemas.microsoft.com/office/powerpoint/2010/main" val="3041427254"/>
+        <p14:creationId xmlns:p14="http://schemas.microsoft.com/office/powerpoint/2010/main" val="2086525144"/>
       </p:ext>
     </p:extLst>
   </p:cSld>
@@ -2056,7 +2056,7 @@
     </p:spTree>
     <p:extLst>
       <p:ext uri="{BB962C8B-B14F-4D97-AF65-F5344CB8AC3E}">
-        <p14:creationId xmlns:p14="http://schemas.microsoft.com/office/powerpoint/2010/main" val="4003349592"/>
+        <p14:creationId xmlns:p14="http://schemas.microsoft.com/office/powerpoint/2010/main" val="3850554554"/>
       </p:ext>
     </p:extLst>
   </p:cSld>
@@ -2140,7 +2140,7 @@
     </p:spTree>
     <p:extLst>
       <p:ext uri="{BB962C8B-B14F-4D97-AF65-F5344CB8AC3E}">
-        <p14:creationId xmlns:p14="http://schemas.microsoft.com/office/powerpoint/2010/main" val="3979794549"/>
+        <p14:creationId xmlns:p14="http://schemas.microsoft.com/office/powerpoint/2010/main" val="113615604"/>
       </p:ext>
     </p:extLst>
   </p:cSld>
@@ -2224,7 +2224,7 @@
     </p:spTree>
     <p:extLst>
       <p:ext uri="{BB962C8B-B14F-4D97-AF65-F5344CB8AC3E}">
-        <p14:creationId xmlns:p14="http://schemas.microsoft.com/office/powerpoint/2010/main" val="4254202158"/>
+        <p14:creationId xmlns:p14="http://schemas.microsoft.com/office/powerpoint/2010/main" val="2524284301"/>
       </p:ext>
     </p:extLst>
   </p:cSld>
@@ -2318,17 +2318,14 @@
                 <a:spcPct val="90000"/>
               </a:lnSpc>
             </a:pPr>
-            <a:r>
-              <a:rPr lang="en-US" sz="1600" dirty="0">
-                <a:ln>
-                  <a:noFill/>
-                </a:ln>
-                <a:solidFill>
-                  <a:schemeClr val="bg1"/>
-                </a:solidFill>
-              </a:rPr>
-              <a:t>exascaleproject.org</a:t>
-            </a:r>
+            <a:endParaRPr lang="en-US" sz="1600" dirty="0">
+              <a:ln>
+                <a:noFill/>
+              </a:ln>
+              <a:solidFill>
+                <a:schemeClr val="bg1"/>
+              </a:solidFill>
+            </a:endParaRPr>
           </a:p>
         </p:txBody>
       </p:sp>
@@ -2435,149 +2432,6 @@
       </p:sp>
       <p:pic>
         <p:nvPicPr>
-          <p:cNvPr id="12" name="Picture 11"/>
-          <p:cNvPicPr>
-            <a:picLocks noChangeAspect="1"/>
-          </p:cNvPicPr>
-          <p:nvPr userDrawn="1"/>
-        </p:nvPicPr>
-        <p:blipFill>
-          <a:blip r:embed="rId2" cstate="print">
-            <a:extLst>
-              <a:ext uri="{28A0092B-C50C-407E-A947-70E740481C1C}">
-                <a14:useLocalDpi xmlns:a14="http://schemas.microsoft.com/office/drawing/2010/main" val="0"/>
-              </a:ext>
-            </a:extLst>
-          </a:blip>
-          <a:stretch>
-            <a:fillRect/>
-          </a:stretch>
-        </p:blipFill>
-        <p:spPr>
-          <a:xfrm>
-            <a:off x="362749" y="483164"/>
-            <a:ext cx="2050840" cy="935496"/>
-          </a:xfrm>
-          <a:prstGeom prst="rect">
-            <a:avLst/>
-          </a:prstGeom>
-        </p:spPr>
-      </p:pic>
-      <p:pic>
-        <p:nvPicPr>
-          <p:cNvPr id="16" name="Picture 15"/>
-          <p:cNvPicPr>
-            <a:picLocks noChangeAspect="1"/>
-          </p:cNvPicPr>
-          <p:nvPr userDrawn="1"/>
-        </p:nvPicPr>
-        <p:blipFill>
-          <a:blip r:embed="rId3" cstate="print">
-            <a:extLst>
-              <a:ext uri="{BEBA8EAE-BF5A-486C-A8C5-ECC9F3942E4B}">
-                <a14:imgProps xmlns:a14="http://schemas.microsoft.com/office/drawing/2010/main">
-                  <a14:imgLayer r:embed="rId4">
-                    <a14:imgEffect>
-                      <a14:brightnessContrast bright="100000"/>
-                    </a14:imgEffect>
-                  </a14:imgLayer>
-                </a14:imgProps>
-              </a:ext>
-              <a:ext uri="{28A0092B-C50C-407E-A947-70E740481C1C}">
-                <a14:useLocalDpi xmlns:a14="http://schemas.microsoft.com/office/drawing/2010/main" val="0"/>
-              </a:ext>
-            </a:extLst>
-          </a:blip>
-          <a:stretch>
-            <a:fillRect/>
-          </a:stretch>
-        </p:blipFill>
-        <p:spPr>
-          <a:xfrm>
-            <a:off x="7289921" y="6322747"/>
-            <a:ext cx="2409477" cy="401008"/>
-          </a:xfrm>
-          <a:prstGeom prst="rect">
-            <a:avLst/>
-          </a:prstGeom>
-        </p:spPr>
-      </p:pic>
-      <p:pic>
-        <p:nvPicPr>
-          <p:cNvPr id="17" name="Picture 16"/>
-          <p:cNvPicPr>
-            <a:picLocks noChangeAspect="1"/>
-          </p:cNvPicPr>
-          <p:nvPr userDrawn="1"/>
-        </p:nvPicPr>
-        <p:blipFill rotWithShape="1">
-          <a:blip r:embed="rId5" cstate="print">
-            <a:extLst>
-              <a:ext uri="{BEBA8EAE-BF5A-486C-A8C5-ECC9F3942E4B}">
-                <a14:imgProps xmlns:a14="http://schemas.microsoft.com/office/drawing/2010/main">
-                  <a14:imgLayer r:embed="rId6">
-                    <a14:imgEffect>
-                      <a14:brightnessContrast bright="100000"/>
-                    </a14:imgEffect>
-                  </a14:imgLayer>
-                </a14:imgProps>
-              </a:ext>
-              <a:ext uri="{28A0092B-C50C-407E-A947-70E740481C1C}">
-                <a14:useLocalDpi xmlns:a14="http://schemas.microsoft.com/office/drawing/2010/main" val="0"/>
-              </a:ext>
-            </a:extLst>
-          </a:blip>
-          <a:srcRect b="70693"/>
-          <a:stretch/>
-        </p:blipFill>
-        <p:spPr>
-          <a:xfrm>
-            <a:off x="10204521" y="6307740"/>
-            <a:ext cx="1367541" cy="428915"/>
-          </a:xfrm>
-          <a:prstGeom prst="rect">
-            <a:avLst/>
-          </a:prstGeom>
-        </p:spPr>
-      </p:pic>
-      <p:pic>
-        <p:nvPicPr>
-          <p:cNvPr id="8" name="Picture 7" descr="A picture containing shape&#10;&#10;Description automatically generated">
-            <a:extLst>
-              <a:ext uri="{FF2B5EF4-FFF2-40B4-BE49-F238E27FC236}">
-                <a16:creationId xmlns:a16="http://schemas.microsoft.com/office/drawing/2014/main" id="{C432A180-7341-4E28-8C2B-73F9AB53D13F}"/>
-              </a:ext>
-            </a:extLst>
-          </p:cNvPr>
-          <p:cNvPicPr>
-            <a:picLocks noChangeAspect="1"/>
-          </p:cNvPicPr>
-          <p:nvPr userDrawn="1"/>
-        </p:nvPicPr>
-        <p:blipFill>
-          <a:blip r:embed="rId7">
-            <a:extLst>
-              <a:ext uri="{28A0092B-C50C-407E-A947-70E740481C1C}">
-                <a14:useLocalDpi xmlns:a14="http://schemas.microsoft.com/office/drawing/2010/main" val="0"/>
-              </a:ext>
-            </a:extLst>
-          </a:blip>
-          <a:stretch>
-            <a:fillRect/>
-          </a:stretch>
-        </p:blipFill>
-        <p:spPr>
-          <a:xfrm>
-            <a:off x="333920" y="1848659"/>
-            <a:ext cx="2108499" cy="914400"/>
-          </a:xfrm>
-          <a:prstGeom prst="rect">
-            <a:avLst/>
-          </a:prstGeom>
-        </p:spPr>
-      </p:pic>
-      <p:pic>
-        <p:nvPicPr>
           <p:cNvPr id="13" name="Picture 2" descr="https://licensebuttons.net/l/by/4.0/88x31.png">
             <a:extLst>
               <a:ext uri="{FF2B5EF4-FFF2-40B4-BE49-F238E27FC236}">
@@ -2591,7 +2445,7 @@
           <p:nvPr userDrawn="1"/>
         </p:nvPicPr>
         <p:blipFill>
-          <a:blip r:embed="rId8">
+          <a:blip r:embed="rId2">
             <a:extLst>
               <a:ext uri="{28A0092B-C50C-407E-A947-70E740481C1C}">
                 <a14:useLocalDpi xmlns:a14="http://schemas.microsoft.com/office/drawing/2010/main" val="0"/>
@@ -2663,42 +2517,6 @@
           </a:p>
         </p:txBody>
       </p:sp>
-      <p:pic>
-        <p:nvPicPr>
-          <p:cNvPr id="15" name="Picture 14">
-            <a:extLst>
-              <a:ext uri="{FF2B5EF4-FFF2-40B4-BE49-F238E27FC236}">
-                <a16:creationId xmlns:a16="http://schemas.microsoft.com/office/drawing/2014/main" id="{C554CDC7-44CF-4751-9869-0265C8E01840}"/>
-              </a:ext>
-            </a:extLst>
-          </p:cNvPr>
-          <p:cNvPicPr>
-            <a:picLocks noChangeAspect="1"/>
-          </p:cNvPicPr>
-          <p:nvPr userDrawn="1"/>
-        </p:nvPicPr>
-        <p:blipFill>
-          <a:blip r:embed="rId9" cstate="print">
-            <a:extLst>
-              <a:ext uri="{28A0092B-C50C-407E-A947-70E740481C1C}">
-                <a14:useLocalDpi xmlns:a14="http://schemas.microsoft.com/office/drawing/2010/main" val="0"/>
-              </a:ext>
-            </a:extLst>
-          </a:blip>
-          <a:stretch>
-            <a:fillRect/>
-          </a:stretch>
-        </p:blipFill>
-        <p:spPr>
-          <a:xfrm>
-            <a:off x="333211" y="3189686"/>
-            <a:ext cx="2109916" cy="905256"/>
-          </a:xfrm>
-          <a:prstGeom prst="rect">
-            <a:avLst/>
-          </a:prstGeom>
-        </p:spPr>
-      </p:pic>
       <p:sp>
         <p:nvSpPr>
           <p:cNvPr id="6" name="Text Placeholder 5">
@@ -2947,10 +2765,495 @@
           </a:p>
         </p:txBody>
       </p:sp>
+      <p:pic>
+        <p:nvPicPr>
+          <p:cNvPr id="3" name="Picture 2">
+            <a:extLst>
+              <a:ext uri="{FF2B5EF4-FFF2-40B4-BE49-F238E27FC236}">
+                <a16:creationId xmlns:a16="http://schemas.microsoft.com/office/drawing/2014/main" id="{E5A81C43-A5B9-D933-9CA0-B9EBBA5B6295}"/>
+              </a:ext>
+            </a:extLst>
+          </p:cNvPr>
+          <p:cNvPicPr>
+            <a:picLocks noChangeAspect="1"/>
+          </p:cNvPicPr>
+          <p:nvPr userDrawn="1"/>
+        </p:nvPicPr>
+        <p:blipFill>
+          <a:blip r:embed="rId3" cstate="print">
+            <a:extLst>
+              <a:ext uri="{28A0092B-C50C-407E-A947-70E740481C1C}">
+                <a14:useLocalDpi xmlns:a14="http://schemas.microsoft.com/office/drawing/2010/main" val="0"/>
+              </a:ext>
+            </a:extLst>
+          </a:blip>
+          <a:stretch>
+            <a:fillRect/>
+          </a:stretch>
+        </p:blipFill>
+        <p:spPr>
+          <a:xfrm>
+            <a:off x="418659" y="158509"/>
+            <a:ext cx="2109916" cy="905256"/>
+          </a:xfrm>
+          <a:prstGeom prst="rect">
+            <a:avLst/>
+          </a:prstGeom>
+        </p:spPr>
+      </p:pic>
+      <p:grpSp>
+        <p:nvGrpSpPr>
+          <p:cNvPr id="5" name="Group 4">
+            <a:extLst>
+              <a:ext uri="{FF2B5EF4-FFF2-40B4-BE49-F238E27FC236}">
+                <a16:creationId xmlns:a16="http://schemas.microsoft.com/office/drawing/2014/main" id="{2211A969-E7EA-13C3-D014-C029084F4EFB}"/>
+              </a:ext>
+            </a:extLst>
+          </p:cNvPr>
+          <p:cNvGrpSpPr/>
+          <p:nvPr userDrawn="1"/>
+        </p:nvGrpSpPr>
+        <p:grpSpPr>
+          <a:xfrm>
+            <a:off x="366259" y="3655396"/>
+            <a:ext cx="2214716" cy="356329"/>
+            <a:chOff x="341278" y="3628835"/>
+            <a:chExt cx="2214716" cy="356329"/>
+          </a:xfrm>
+        </p:grpSpPr>
+        <p:pic>
+          <p:nvPicPr>
+            <p:cNvPr id="7" name="Picture 2">
+              <a:extLst>
+                <a:ext uri="{FF2B5EF4-FFF2-40B4-BE49-F238E27FC236}">
+                  <a16:creationId xmlns:a16="http://schemas.microsoft.com/office/drawing/2014/main" id="{D16A6A85-AECD-6121-D004-ECB79BC13076}"/>
+                </a:ext>
+              </a:extLst>
+            </p:cNvPr>
+            <p:cNvPicPr>
+              <a:picLocks noChangeAspect="1" noChangeArrowheads="1"/>
+            </p:cNvPicPr>
+            <p:nvPr userDrawn="1"/>
+          </p:nvPicPr>
+          <p:blipFill>
+            <a:blip r:embed="rId4">
+              <a:extLst>
+                <a:ext uri="{28A0092B-C50C-407E-A947-70E740481C1C}">
+                  <a14:useLocalDpi xmlns:a14="http://schemas.microsoft.com/office/drawing/2010/main" val="0"/>
+                </a:ext>
+              </a:extLst>
+            </a:blip>
+            <a:srcRect/>
+            <a:stretch>
+              <a:fillRect/>
+            </a:stretch>
+          </p:blipFill>
+          <p:spPr bwMode="auto">
+            <a:xfrm>
+              <a:off x="341278" y="3628835"/>
+              <a:ext cx="1005840" cy="356329"/>
+            </a:xfrm>
+            <a:prstGeom prst="rect">
+              <a:avLst/>
+            </a:prstGeom>
+            <a:noFill/>
+            <a:extLst>
+              <a:ext uri="{909E8E84-426E-40DD-AFC4-6F175D3DCCD1}">
+                <a14:hiddenFill xmlns:a14="http://schemas.microsoft.com/office/drawing/2010/main">
+                  <a:solidFill>
+                    <a:srgbClr val="FFFFFF"/>
+                  </a:solidFill>
+                </a14:hiddenFill>
+              </a:ext>
+            </a:extLst>
+          </p:spPr>
+        </p:pic>
+        <p:pic>
+          <p:nvPicPr>
+            <p:cNvPr id="10" name="Picture 4">
+              <a:extLst>
+                <a:ext uri="{FF2B5EF4-FFF2-40B4-BE49-F238E27FC236}">
+                  <a16:creationId xmlns:a16="http://schemas.microsoft.com/office/drawing/2014/main" id="{87D2793C-01C6-B180-3495-5A2067445539}"/>
+                </a:ext>
+              </a:extLst>
+            </p:cNvPr>
+            <p:cNvPicPr>
+              <a:picLocks noChangeAspect="1" noChangeArrowheads="1"/>
+            </p:cNvPicPr>
+            <p:nvPr userDrawn="1"/>
+          </p:nvPicPr>
+          <p:blipFill>
+            <a:blip r:embed="rId5" cstate="print">
+              <a:extLst>
+                <a:ext uri="{28A0092B-C50C-407E-A947-70E740481C1C}">
+                  <a14:useLocalDpi xmlns:a14="http://schemas.microsoft.com/office/drawing/2010/main" val="0"/>
+                </a:ext>
+              </a:extLst>
+            </a:blip>
+            <a:srcRect/>
+            <a:stretch>
+              <a:fillRect/>
+            </a:stretch>
+          </p:blipFill>
+          <p:spPr bwMode="auto">
+            <a:xfrm>
+              <a:off x="1550154" y="3690079"/>
+              <a:ext cx="1005840" cy="233840"/>
+            </a:xfrm>
+            <a:prstGeom prst="rect">
+              <a:avLst/>
+            </a:prstGeom>
+            <a:noFill/>
+            <a:extLst>
+              <a:ext uri="{909E8E84-426E-40DD-AFC4-6F175D3DCCD1}">
+                <a14:hiddenFill xmlns:a14="http://schemas.microsoft.com/office/drawing/2010/main">
+                  <a:solidFill>
+                    <a:srgbClr val="FFFFFF"/>
+                  </a:solidFill>
+                </a14:hiddenFill>
+              </a:ext>
+            </a:extLst>
+          </p:spPr>
+        </p:pic>
+      </p:grpSp>
+      <p:pic>
+        <p:nvPicPr>
+          <p:cNvPr id="18" name="Picture 17" descr="A black and white sign with blue text&#10;&#10;Description automatically generated">
+            <a:extLst>
+              <a:ext uri="{FF2B5EF4-FFF2-40B4-BE49-F238E27FC236}">
+                <a16:creationId xmlns:a16="http://schemas.microsoft.com/office/drawing/2014/main" id="{90ECFB80-075A-EDC0-363D-3CE459F436D1}"/>
+              </a:ext>
+            </a:extLst>
+          </p:cNvPr>
+          <p:cNvPicPr>
+            <a:picLocks noChangeAspect="1"/>
+          </p:cNvPicPr>
+          <p:nvPr userDrawn="1"/>
+        </p:nvPicPr>
+        <p:blipFill>
+          <a:blip r:embed="rId6" cstate="print">
+            <a:extLst>
+              <a:ext uri="{28A0092B-C50C-407E-A947-70E740481C1C}">
+                <a14:useLocalDpi xmlns:a14="http://schemas.microsoft.com/office/drawing/2010/main" val="0"/>
+              </a:ext>
+            </a:extLst>
+          </a:blip>
+          <a:stretch>
+            <a:fillRect/>
+          </a:stretch>
+        </p:blipFill>
+        <p:spPr>
+          <a:xfrm>
+            <a:off x="970697" y="4125123"/>
+            <a:ext cx="1005840" cy="324328"/>
+          </a:xfrm>
+          <a:prstGeom prst="rect">
+            <a:avLst/>
+          </a:prstGeom>
+        </p:spPr>
+      </p:pic>
+      <p:sp>
+        <p:nvSpPr>
+          <p:cNvPr id="19" name="TextBox 18">
+            <a:extLst>
+              <a:ext uri="{FF2B5EF4-FFF2-40B4-BE49-F238E27FC236}">
+                <a16:creationId xmlns:a16="http://schemas.microsoft.com/office/drawing/2014/main" id="{23984D22-2BE9-C684-93D1-920B201DC418}"/>
+              </a:ext>
+            </a:extLst>
+          </p:cNvPr>
+          <p:cNvSpPr txBox="1"/>
+          <p:nvPr userDrawn="1"/>
+        </p:nvSpPr>
+        <p:spPr>
+          <a:xfrm>
+            <a:off x="901538" y="1776974"/>
+            <a:ext cx="1144159" cy="350865"/>
+          </a:xfrm>
+          <a:prstGeom prst="rect">
+            <a:avLst/>
+          </a:prstGeom>
+          <a:noFill/>
+        </p:spPr>
+        <p:txBody>
+          <a:bodyPr wrap="none" lIns="118872" tIns="91440" rIns="118872" bIns="91440" rtlCol="0" anchor="ctr" anchorCtr="0">
+            <a:spAutoFit/>
+          </a:bodyPr>
+          <a:lstStyle/>
+          <a:p>
+            <a:pPr algn="l">
+              <a:lnSpc>
+                <a:spcPct val="90000"/>
+              </a:lnSpc>
+            </a:pPr>
+            <a:r>
+              <a:rPr lang="en-US" sz="1200" i="1" dirty="0"/>
+              <a:t>Presented by</a:t>
+            </a:r>
+          </a:p>
+        </p:txBody>
+      </p:sp>
+      <p:sp>
+        <p:nvSpPr>
+          <p:cNvPr id="24" name="TextBox 23">
+            <a:extLst>
+              <a:ext uri="{FF2B5EF4-FFF2-40B4-BE49-F238E27FC236}">
+                <a16:creationId xmlns:a16="http://schemas.microsoft.com/office/drawing/2014/main" id="{9EA65A86-1694-D0BE-3C46-045E2B00D094}"/>
+              </a:ext>
+            </a:extLst>
+          </p:cNvPr>
+          <p:cNvSpPr txBox="1"/>
+          <p:nvPr userDrawn="1"/>
+        </p:nvSpPr>
+        <p:spPr>
+          <a:xfrm>
+            <a:off x="28657" y="2079048"/>
+            <a:ext cx="2889921" cy="932563"/>
+          </a:xfrm>
+          <a:prstGeom prst="rect">
+            <a:avLst/>
+          </a:prstGeom>
+          <a:noFill/>
+        </p:spPr>
+        <p:txBody>
+          <a:bodyPr wrap="square" lIns="118872" tIns="91440" rIns="118872" bIns="91440" rtlCol="0" anchor="ctr" anchorCtr="0">
+            <a:spAutoFit/>
+          </a:bodyPr>
+          <a:lstStyle/>
+          <a:p>
+            <a:pPr algn="l">
+              <a:lnSpc>
+                <a:spcPct val="90000"/>
+              </a:lnSpc>
+            </a:pPr>
+            <a:r>
+              <a:rPr lang="en-US" b="1" dirty="0"/>
+              <a:t>COLABS: Collaboration for Better Software for Science</a:t>
+            </a:r>
+          </a:p>
+        </p:txBody>
+      </p:sp>
+      <p:sp>
+        <p:nvSpPr>
+          <p:cNvPr id="25" name="TextBox 24">
+            <a:extLst>
+              <a:ext uri="{FF2B5EF4-FFF2-40B4-BE49-F238E27FC236}">
+                <a16:creationId xmlns:a16="http://schemas.microsoft.com/office/drawing/2014/main" id="{7C98D32A-D229-5172-E298-9AF976ACE627}"/>
+              </a:ext>
+            </a:extLst>
+          </p:cNvPr>
+          <p:cNvSpPr txBox="1"/>
+          <p:nvPr userDrawn="1"/>
+        </p:nvSpPr>
+        <p:spPr>
+          <a:xfrm>
+            <a:off x="676315" y="3191133"/>
+            <a:ext cx="1594604" cy="350865"/>
+          </a:xfrm>
+          <a:prstGeom prst="rect">
+            <a:avLst/>
+          </a:prstGeom>
+          <a:noFill/>
+        </p:spPr>
+        <p:txBody>
+          <a:bodyPr wrap="none" lIns="118872" tIns="91440" rIns="118872" bIns="91440" rtlCol="0" anchor="ctr" anchorCtr="0">
+            <a:spAutoFit/>
+          </a:bodyPr>
+          <a:lstStyle/>
+          <a:p>
+            <a:pPr algn="l">
+              <a:lnSpc>
+                <a:spcPct val="90000"/>
+              </a:lnSpc>
+            </a:pPr>
+            <a:r>
+              <a:rPr lang="en-US" sz="1200" i="1" dirty="0"/>
+              <a:t>In collaboration with</a:t>
+            </a:r>
+          </a:p>
+        </p:txBody>
+      </p:sp>
+      <p:sp>
+        <p:nvSpPr>
+          <p:cNvPr id="26" name="TextBox 25">
+            <a:extLst>
+              <a:ext uri="{FF2B5EF4-FFF2-40B4-BE49-F238E27FC236}">
+                <a16:creationId xmlns:a16="http://schemas.microsoft.com/office/drawing/2014/main" id="{64D46951-9F99-A303-D249-27B751A562DB}"/>
+              </a:ext>
+            </a:extLst>
+          </p:cNvPr>
+          <p:cNvSpPr txBox="1"/>
+          <p:nvPr userDrawn="1"/>
+        </p:nvSpPr>
+        <p:spPr>
+          <a:xfrm>
+            <a:off x="572120" y="4562849"/>
+            <a:ext cx="1802994" cy="350865"/>
+          </a:xfrm>
+          <a:prstGeom prst="rect">
+            <a:avLst/>
+          </a:prstGeom>
+          <a:noFill/>
+        </p:spPr>
+        <p:txBody>
+          <a:bodyPr wrap="none" lIns="118872" tIns="91440" rIns="118872" bIns="91440" rtlCol="0" anchor="ctr" anchorCtr="0">
+            <a:spAutoFit/>
+          </a:bodyPr>
+          <a:lstStyle/>
+          <a:p>
+            <a:pPr algn="l">
+              <a:lnSpc>
+                <a:spcPct val="90000"/>
+              </a:lnSpc>
+            </a:pPr>
+            <a:r>
+              <a:rPr lang="en-US" sz="1200" i="1" dirty="0"/>
+              <a:t>With prior support from</a:t>
+            </a:r>
+          </a:p>
+        </p:txBody>
+      </p:sp>
+      <p:grpSp>
+        <p:nvGrpSpPr>
+          <p:cNvPr id="27" name="Group 26">
+            <a:extLst>
+              <a:ext uri="{FF2B5EF4-FFF2-40B4-BE49-F238E27FC236}">
+                <a16:creationId xmlns:a16="http://schemas.microsoft.com/office/drawing/2014/main" id="{CC665AB1-818C-15F6-A435-7A7C14109262}"/>
+              </a:ext>
+            </a:extLst>
+          </p:cNvPr>
+          <p:cNvGrpSpPr/>
+          <p:nvPr userDrawn="1"/>
+        </p:nvGrpSpPr>
+        <p:grpSpPr>
+          <a:xfrm>
+            <a:off x="355043" y="5027111"/>
+            <a:ext cx="2237149" cy="457200"/>
+            <a:chOff x="343050" y="5128711"/>
+            <a:chExt cx="2237149" cy="457200"/>
+          </a:xfrm>
+        </p:grpSpPr>
+        <p:pic>
+          <p:nvPicPr>
+            <p:cNvPr id="28" name="Picture 27">
+              <a:extLst>
+                <a:ext uri="{FF2B5EF4-FFF2-40B4-BE49-F238E27FC236}">
+                  <a16:creationId xmlns:a16="http://schemas.microsoft.com/office/drawing/2014/main" id="{D8D4DA06-93FC-7C79-22C0-69CD6E71946F}"/>
+                </a:ext>
+              </a:extLst>
+            </p:cNvPr>
+            <p:cNvPicPr>
+              <a:picLocks noChangeAspect="1"/>
+            </p:cNvPicPr>
+            <p:nvPr userDrawn="1"/>
+          </p:nvPicPr>
+          <p:blipFill>
+            <a:blip r:embed="rId7" cstate="print">
+              <a:extLst>
+                <a:ext uri="{28A0092B-C50C-407E-A947-70E740481C1C}">
+                  <a14:useLocalDpi xmlns:a14="http://schemas.microsoft.com/office/drawing/2010/main" val="0"/>
+                </a:ext>
+              </a:extLst>
+            </a:blip>
+            <a:stretch>
+              <a:fillRect/>
+            </a:stretch>
+          </p:blipFill>
+          <p:spPr>
+            <a:xfrm>
+              <a:off x="343050" y="5128711"/>
+              <a:ext cx="1002296" cy="457200"/>
+            </a:xfrm>
+            <a:prstGeom prst="rect">
+              <a:avLst/>
+            </a:prstGeom>
+          </p:spPr>
+        </p:pic>
+        <p:pic>
+          <p:nvPicPr>
+            <p:cNvPr id="29" name="Picture 28" descr="A picture containing shape&#10;&#10;Description automatically generated">
+              <a:extLst>
+                <a:ext uri="{FF2B5EF4-FFF2-40B4-BE49-F238E27FC236}">
+                  <a16:creationId xmlns:a16="http://schemas.microsoft.com/office/drawing/2014/main" id="{3A576A20-C17C-D6D5-507F-A7C5D2EE03B7}"/>
+                </a:ext>
+              </a:extLst>
+            </p:cNvPr>
+            <p:cNvPicPr>
+              <a:picLocks noChangeAspect="1"/>
+            </p:cNvPicPr>
+            <p:nvPr userDrawn="1"/>
+          </p:nvPicPr>
+          <p:blipFill>
+            <a:blip r:embed="rId8">
+              <a:extLst>
+                <a:ext uri="{28A0092B-C50C-407E-A947-70E740481C1C}">
+                  <a14:useLocalDpi xmlns:a14="http://schemas.microsoft.com/office/drawing/2010/main" val="0"/>
+                </a:ext>
+              </a:extLst>
+            </a:blip>
+            <a:stretch>
+              <a:fillRect/>
+            </a:stretch>
+          </p:blipFill>
+          <p:spPr>
+            <a:xfrm>
+              <a:off x="1525950" y="5128711"/>
+              <a:ext cx="1054249" cy="457200"/>
+            </a:xfrm>
+            <a:prstGeom prst="rect">
+              <a:avLst/>
+            </a:prstGeom>
+          </p:spPr>
+        </p:pic>
+      </p:grpSp>
+      <p:pic>
+        <p:nvPicPr>
+          <p:cNvPr id="31" name="Picture 30">
+            <a:extLst>
+              <a:ext uri="{FF2B5EF4-FFF2-40B4-BE49-F238E27FC236}">
+                <a16:creationId xmlns:a16="http://schemas.microsoft.com/office/drawing/2014/main" id="{F6BAEEDA-B6C4-7DDA-6A83-26F20E08F28B}"/>
+              </a:ext>
+            </a:extLst>
+          </p:cNvPr>
+          <p:cNvPicPr>
+            <a:picLocks noChangeAspect="1"/>
+          </p:cNvPicPr>
+          <p:nvPr userDrawn="1"/>
+        </p:nvPicPr>
+        <p:blipFill>
+          <a:blip r:embed="rId9" cstate="print">
+            <a:extLst>
+              <a:ext uri="{BEBA8EAE-BF5A-486C-A8C5-ECC9F3942E4B}">
+                <a14:imgProps xmlns:a14="http://schemas.microsoft.com/office/drawing/2010/main">
+                  <a14:imgLayer r:embed="rId10">
+                    <a14:imgEffect>
+                      <a14:brightnessContrast bright="100000"/>
+                    </a14:imgEffect>
+                  </a14:imgLayer>
+                </a14:imgProps>
+              </a:ext>
+              <a:ext uri="{28A0092B-C50C-407E-A947-70E740481C1C}">
+                <a14:useLocalDpi xmlns:a14="http://schemas.microsoft.com/office/drawing/2010/main" val="0"/>
+              </a:ext>
+            </a:extLst>
+          </a:blip>
+          <a:stretch>
+            <a:fillRect/>
+          </a:stretch>
+        </p:blipFill>
+        <p:spPr>
+          <a:xfrm>
+            <a:off x="9536165" y="6321694"/>
+            <a:ext cx="2409477" cy="401008"/>
+          </a:xfrm>
+          <a:prstGeom prst="rect">
+            <a:avLst/>
+          </a:prstGeom>
+        </p:spPr>
+      </p:pic>
     </p:spTree>
     <p:extLst>
       <p:ext uri="{BB962C8B-B14F-4D97-AF65-F5344CB8AC3E}">
-        <p14:creationId xmlns:p14="http://schemas.microsoft.com/office/powerpoint/2010/main" val="4107341702"/>
+        <p14:creationId xmlns:p14="http://schemas.microsoft.com/office/powerpoint/2010/main" val="3066306731"/>
       </p:ext>
     </p:extLst>
   </p:cSld>
@@ -2962,7 +3265,7 @@
 
 <file path=ppt/slideLayouts/slideLayout2.xml><?xml version="1.0" encoding="utf-8"?>
 <p:sldLayout xmlns:a="http://schemas.openxmlformats.org/drawingml/2006/main" xmlns:r="http://schemas.openxmlformats.org/officeDocument/2006/relationships" xmlns:p="http://schemas.openxmlformats.org/presentationml/2006/main" showMasterSp="0" preserve="1" userDrawn="1">
-  <p:cSld name="8_Title Slide">
+  <p:cSld name="10_Title Slide">
     <p:spTree>
       <p:nvGrpSpPr>
         <p:cNvPr id="1" name=""/>
@@ -3044,17 +3347,14 @@
                 <a:spcPct val="90000"/>
               </a:lnSpc>
             </a:pPr>
-            <a:r>
-              <a:rPr lang="en-US" sz="1600" dirty="0">
-                <a:ln>
-                  <a:noFill/>
-                </a:ln>
-                <a:solidFill>
-                  <a:schemeClr val="bg1"/>
-                </a:solidFill>
-              </a:rPr>
-              <a:t>exascaleproject.org</a:t>
-            </a:r>
+            <a:endParaRPr lang="en-US" sz="1600" dirty="0">
+              <a:ln>
+                <a:noFill/>
+              </a:ln>
+              <a:solidFill>
+                <a:schemeClr val="bg1"/>
+              </a:solidFill>
+            </a:endParaRPr>
           </a:p>
         </p:txBody>
       </p:sp>
@@ -3281,7 +3581,7 @@
       </p:sp>
       <p:pic>
         <p:nvPicPr>
-          <p:cNvPr id="12" name="Picture 11"/>
+          <p:cNvPr id="16" name="Picture 15"/>
           <p:cNvPicPr>
             <a:picLocks noChangeAspect="1"/>
           </p:cNvPicPr>
@@ -3290,6 +3590,15 @@
         <p:blipFill>
           <a:blip r:embed="rId2" cstate="print">
             <a:extLst>
+              <a:ext uri="{BEBA8EAE-BF5A-486C-A8C5-ECC9F3942E4B}">
+                <a14:imgProps xmlns:a14="http://schemas.microsoft.com/office/drawing/2010/main">
+                  <a14:imgLayer r:embed="rId3">
+                    <a14:imgEffect>
+                      <a14:brightnessContrast bright="100000"/>
+                    </a14:imgEffect>
+                  </a14:imgLayer>
+                </a14:imgProps>
+              </a:ext>
               <a:ext uri="{28A0092B-C50C-407E-A947-70E740481C1C}">
                 <a14:useLocalDpi xmlns:a14="http://schemas.microsoft.com/office/drawing/2010/main" val="0"/>
               </a:ext>
@@ -3301,46 +3610,7 @@
         </p:blipFill>
         <p:spPr>
           <a:xfrm>
-            <a:off x="362749" y="483164"/>
-            <a:ext cx="2050840" cy="935496"/>
-          </a:xfrm>
-          <a:prstGeom prst="rect">
-            <a:avLst/>
-          </a:prstGeom>
-        </p:spPr>
-      </p:pic>
-      <p:pic>
-        <p:nvPicPr>
-          <p:cNvPr id="16" name="Picture 15"/>
-          <p:cNvPicPr>
-            <a:picLocks noChangeAspect="1"/>
-          </p:cNvPicPr>
-          <p:nvPr userDrawn="1"/>
-        </p:nvPicPr>
-        <p:blipFill>
-          <a:blip r:embed="rId3" cstate="print">
-            <a:extLst>
-              <a:ext uri="{BEBA8EAE-BF5A-486C-A8C5-ECC9F3942E4B}">
-                <a14:imgProps xmlns:a14="http://schemas.microsoft.com/office/drawing/2010/main">
-                  <a14:imgLayer r:embed="rId4">
-                    <a14:imgEffect>
-                      <a14:brightnessContrast bright="100000"/>
-                    </a14:imgEffect>
-                  </a14:imgLayer>
-                </a14:imgProps>
-              </a:ext>
-              <a:ext uri="{28A0092B-C50C-407E-A947-70E740481C1C}">
-                <a14:useLocalDpi xmlns:a14="http://schemas.microsoft.com/office/drawing/2010/main" val="0"/>
-              </a:ext>
-            </a:extLst>
-          </a:blip>
-          <a:stretch>
-            <a:fillRect/>
-          </a:stretch>
-        </p:blipFill>
-        <p:spPr>
-          <a:xfrm>
-            <a:off x="7289921" y="6322747"/>
+            <a:off x="9536165" y="6321694"/>
             <a:ext cx="2409477" cy="401008"/>
           </a:xfrm>
           <a:prstGeom prst="rect">
@@ -3350,80 +3620,6 @@
       </p:pic>
       <p:pic>
         <p:nvPicPr>
-          <p:cNvPr id="17" name="Picture 16"/>
-          <p:cNvPicPr>
-            <a:picLocks noChangeAspect="1"/>
-          </p:cNvPicPr>
-          <p:nvPr userDrawn="1"/>
-        </p:nvPicPr>
-        <p:blipFill rotWithShape="1">
-          <a:blip r:embed="rId5" cstate="print">
-            <a:extLst>
-              <a:ext uri="{BEBA8EAE-BF5A-486C-A8C5-ECC9F3942E4B}">
-                <a14:imgProps xmlns:a14="http://schemas.microsoft.com/office/drawing/2010/main">
-                  <a14:imgLayer r:embed="rId6">
-                    <a14:imgEffect>
-                      <a14:brightnessContrast bright="100000"/>
-                    </a14:imgEffect>
-                  </a14:imgLayer>
-                </a14:imgProps>
-              </a:ext>
-              <a:ext uri="{28A0092B-C50C-407E-A947-70E740481C1C}">
-                <a14:useLocalDpi xmlns:a14="http://schemas.microsoft.com/office/drawing/2010/main" val="0"/>
-              </a:ext>
-            </a:extLst>
-          </a:blip>
-          <a:srcRect b="70693"/>
-          <a:stretch/>
-        </p:blipFill>
-        <p:spPr>
-          <a:xfrm>
-            <a:off x="10204521" y="6307740"/>
-            <a:ext cx="1367541" cy="428915"/>
-          </a:xfrm>
-          <a:prstGeom prst="rect">
-            <a:avLst/>
-          </a:prstGeom>
-        </p:spPr>
-      </p:pic>
-      <p:pic>
-        <p:nvPicPr>
-          <p:cNvPr id="8" name="Picture 7" descr="A picture containing shape&#10;&#10;Description automatically generated">
-            <a:extLst>
-              <a:ext uri="{FF2B5EF4-FFF2-40B4-BE49-F238E27FC236}">
-                <a16:creationId xmlns:a16="http://schemas.microsoft.com/office/drawing/2014/main" id="{C432A180-7341-4E28-8C2B-73F9AB53D13F}"/>
-              </a:ext>
-            </a:extLst>
-          </p:cNvPr>
-          <p:cNvPicPr>
-            <a:picLocks noChangeAspect="1"/>
-          </p:cNvPicPr>
-          <p:nvPr userDrawn="1"/>
-        </p:nvPicPr>
-        <p:blipFill>
-          <a:blip r:embed="rId7">
-            <a:extLst>
-              <a:ext uri="{28A0092B-C50C-407E-A947-70E740481C1C}">
-                <a14:useLocalDpi xmlns:a14="http://schemas.microsoft.com/office/drawing/2010/main" val="0"/>
-              </a:ext>
-            </a:extLst>
-          </a:blip>
-          <a:stretch>
-            <a:fillRect/>
-          </a:stretch>
-        </p:blipFill>
-        <p:spPr>
-          <a:xfrm>
-            <a:off x="333920" y="1848659"/>
-            <a:ext cx="2108499" cy="914400"/>
-          </a:xfrm>
-          <a:prstGeom prst="rect">
-            <a:avLst/>
-          </a:prstGeom>
-        </p:spPr>
-      </p:pic>
-      <p:pic>
-        <p:nvPicPr>
           <p:cNvPr id="13" name="Picture 2" descr="https://licensebuttons.net/l/by/4.0/88x31.png">
             <a:extLst>
               <a:ext uri="{FF2B5EF4-FFF2-40B4-BE49-F238E27FC236}">
@@ -3437,7 +3633,7 @@
           <p:nvPr userDrawn="1"/>
         </p:nvPicPr>
         <p:blipFill>
-          <a:blip r:embed="rId8">
+          <a:blip r:embed="rId4">
             <a:extLst>
               <a:ext uri="{28A0092B-C50C-407E-A947-70E740481C1C}">
                 <a14:useLocalDpi xmlns:a14="http://schemas.microsoft.com/office/drawing/2010/main" val="0"/>
@@ -3511,10 +3707,10 @@
       </p:sp>
       <p:pic>
         <p:nvPicPr>
-          <p:cNvPr id="15" name="Picture 14">
+          <p:cNvPr id="5" name="Picture 4">
             <a:extLst>
               <a:ext uri="{FF2B5EF4-FFF2-40B4-BE49-F238E27FC236}">
-                <a16:creationId xmlns:a16="http://schemas.microsoft.com/office/drawing/2014/main" id="{C554CDC7-44CF-4751-9869-0265C8E01840}"/>
+                <a16:creationId xmlns:a16="http://schemas.microsoft.com/office/drawing/2014/main" id="{39A0B7EC-D4C0-0A37-EF93-54309C1E7E8C}"/>
               </a:ext>
             </a:extLst>
           </p:cNvPr>
@@ -3524,7 +3720,7 @@
           <p:nvPr userDrawn="1"/>
         </p:nvPicPr>
         <p:blipFill>
-          <a:blip r:embed="rId9" cstate="print">
+          <a:blip r:embed="rId5" cstate="print">
             <a:extLst>
               <a:ext uri="{28A0092B-C50C-407E-A947-70E740481C1C}">
                 <a14:useLocalDpi xmlns:a14="http://schemas.microsoft.com/office/drawing/2010/main" val="0"/>
@@ -3537,7 +3733,7 @@
         </p:blipFill>
         <p:spPr>
           <a:xfrm>
-            <a:off x="333211" y="3189686"/>
+            <a:off x="418659" y="158509"/>
             <a:ext cx="2109916" cy="905256"/>
           </a:xfrm>
           <a:prstGeom prst="rect">
@@ -3545,10 +3741,414 @@
           </a:prstGeom>
         </p:spPr>
       </p:pic>
+      <p:grpSp>
+        <p:nvGrpSpPr>
+          <p:cNvPr id="21" name="Group 20">
+            <a:extLst>
+              <a:ext uri="{FF2B5EF4-FFF2-40B4-BE49-F238E27FC236}">
+                <a16:creationId xmlns:a16="http://schemas.microsoft.com/office/drawing/2014/main" id="{23F39736-1AFA-8528-C9E3-41B55EABEDCA}"/>
+              </a:ext>
+            </a:extLst>
+          </p:cNvPr>
+          <p:cNvGrpSpPr/>
+          <p:nvPr userDrawn="1"/>
+        </p:nvGrpSpPr>
+        <p:grpSpPr>
+          <a:xfrm>
+            <a:off x="366259" y="3655396"/>
+            <a:ext cx="2214716" cy="356329"/>
+            <a:chOff x="341278" y="3628835"/>
+            <a:chExt cx="2214716" cy="356329"/>
+          </a:xfrm>
+        </p:grpSpPr>
+        <p:pic>
+          <p:nvPicPr>
+            <p:cNvPr id="6" name="Picture 2">
+              <a:extLst>
+                <a:ext uri="{FF2B5EF4-FFF2-40B4-BE49-F238E27FC236}">
+                  <a16:creationId xmlns:a16="http://schemas.microsoft.com/office/drawing/2014/main" id="{EF0692E1-7D85-78AD-9CB9-EDC5C0A1CD96}"/>
+                </a:ext>
+              </a:extLst>
+            </p:cNvPr>
+            <p:cNvPicPr>
+              <a:picLocks noChangeAspect="1" noChangeArrowheads="1"/>
+            </p:cNvPicPr>
+            <p:nvPr userDrawn="1"/>
+          </p:nvPicPr>
+          <p:blipFill>
+            <a:blip r:embed="rId6">
+              <a:extLst>
+                <a:ext uri="{28A0092B-C50C-407E-A947-70E740481C1C}">
+                  <a14:useLocalDpi xmlns:a14="http://schemas.microsoft.com/office/drawing/2010/main" val="0"/>
+                </a:ext>
+              </a:extLst>
+            </a:blip>
+            <a:srcRect/>
+            <a:stretch>
+              <a:fillRect/>
+            </a:stretch>
+          </p:blipFill>
+          <p:spPr bwMode="auto">
+            <a:xfrm>
+              <a:off x="341278" y="3628835"/>
+              <a:ext cx="1005840" cy="356329"/>
+            </a:xfrm>
+            <a:prstGeom prst="rect">
+              <a:avLst/>
+            </a:prstGeom>
+            <a:noFill/>
+            <a:extLst>
+              <a:ext uri="{909E8E84-426E-40DD-AFC4-6F175D3DCCD1}">
+                <a14:hiddenFill xmlns:a14="http://schemas.microsoft.com/office/drawing/2010/main">
+                  <a:solidFill>
+                    <a:srgbClr val="FFFFFF"/>
+                  </a:solidFill>
+                </a14:hiddenFill>
+              </a:ext>
+            </a:extLst>
+          </p:spPr>
+        </p:pic>
+        <p:pic>
+          <p:nvPicPr>
+            <p:cNvPr id="7" name="Picture 4">
+              <a:extLst>
+                <a:ext uri="{FF2B5EF4-FFF2-40B4-BE49-F238E27FC236}">
+                  <a16:creationId xmlns:a16="http://schemas.microsoft.com/office/drawing/2014/main" id="{05CDAB3D-B8D6-9AC9-8507-6F95230AEE45}"/>
+                </a:ext>
+              </a:extLst>
+            </p:cNvPr>
+            <p:cNvPicPr>
+              <a:picLocks noChangeAspect="1" noChangeArrowheads="1"/>
+            </p:cNvPicPr>
+            <p:nvPr userDrawn="1"/>
+          </p:nvPicPr>
+          <p:blipFill>
+            <a:blip r:embed="rId7" cstate="print">
+              <a:extLst>
+                <a:ext uri="{28A0092B-C50C-407E-A947-70E740481C1C}">
+                  <a14:useLocalDpi xmlns:a14="http://schemas.microsoft.com/office/drawing/2010/main" val="0"/>
+                </a:ext>
+              </a:extLst>
+            </a:blip>
+            <a:srcRect/>
+            <a:stretch>
+              <a:fillRect/>
+            </a:stretch>
+          </p:blipFill>
+          <p:spPr bwMode="auto">
+            <a:xfrm>
+              <a:off x="1550154" y="3690079"/>
+              <a:ext cx="1005840" cy="233840"/>
+            </a:xfrm>
+            <a:prstGeom prst="rect">
+              <a:avLst/>
+            </a:prstGeom>
+            <a:noFill/>
+            <a:extLst>
+              <a:ext uri="{909E8E84-426E-40DD-AFC4-6F175D3DCCD1}">
+                <a14:hiddenFill xmlns:a14="http://schemas.microsoft.com/office/drawing/2010/main">
+                  <a:solidFill>
+                    <a:srgbClr val="FFFFFF"/>
+                  </a:solidFill>
+                </a14:hiddenFill>
+              </a:ext>
+            </a:extLst>
+          </p:spPr>
+        </p:pic>
+      </p:grpSp>
+      <p:pic>
+        <p:nvPicPr>
+          <p:cNvPr id="11" name="Picture 10" descr="A black and white sign with blue text&#10;&#10;Description automatically generated">
+            <a:extLst>
+              <a:ext uri="{FF2B5EF4-FFF2-40B4-BE49-F238E27FC236}">
+                <a16:creationId xmlns:a16="http://schemas.microsoft.com/office/drawing/2014/main" id="{A50B83FE-88FB-1C61-17CC-A58C0BE092BF}"/>
+              </a:ext>
+            </a:extLst>
+          </p:cNvPr>
+          <p:cNvPicPr>
+            <a:picLocks noChangeAspect="1"/>
+          </p:cNvPicPr>
+          <p:nvPr userDrawn="1"/>
+        </p:nvPicPr>
+        <p:blipFill>
+          <a:blip r:embed="rId8" cstate="print">
+            <a:extLst>
+              <a:ext uri="{28A0092B-C50C-407E-A947-70E740481C1C}">
+                <a14:useLocalDpi xmlns:a14="http://schemas.microsoft.com/office/drawing/2010/main" val="0"/>
+              </a:ext>
+            </a:extLst>
+          </a:blip>
+          <a:stretch>
+            <a:fillRect/>
+          </a:stretch>
+        </p:blipFill>
+        <p:spPr>
+          <a:xfrm>
+            <a:off x="970697" y="4125123"/>
+            <a:ext cx="1005840" cy="324328"/>
+          </a:xfrm>
+          <a:prstGeom prst="rect">
+            <a:avLst/>
+          </a:prstGeom>
+        </p:spPr>
+      </p:pic>
+      <p:sp>
+        <p:nvSpPr>
+          <p:cNvPr id="8" name="TextBox 7">
+            <a:extLst>
+              <a:ext uri="{FF2B5EF4-FFF2-40B4-BE49-F238E27FC236}">
+                <a16:creationId xmlns:a16="http://schemas.microsoft.com/office/drawing/2014/main" id="{DBDB4EA8-7E00-EB97-386F-806F04EDC41A}"/>
+              </a:ext>
+            </a:extLst>
+          </p:cNvPr>
+          <p:cNvSpPr txBox="1"/>
+          <p:nvPr userDrawn="1"/>
+        </p:nvSpPr>
+        <p:spPr>
+          <a:xfrm>
+            <a:off x="901538" y="1776974"/>
+            <a:ext cx="1144159" cy="350865"/>
+          </a:xfrm>
+          <a:prstGeom prst="rect">
+            <a:avLst/>
+          </a:prstGeom>
+          <a:noFill/>
+        </p:spPr>
+        <p:txBody>
+          <a:bodyPr wrap="none" lIns="118872" tIns="91440" rIns="118872" bIns="91440" rtlCol="0" anchor="ctr" anchorCtr="0">
+            <a:spAutoFit/>
+          </a:bodyPr>
+          <a:lstStyle/>
+          <a:p>
+            <a:pPr algn="l">
+              <a:lnSpc>
+                <a:spcPct val="90000"/>
+              </a:lnSpc>
+            </a:pPr>
+            <a:r>
+              <a:rPr lang="en-US" sz="1200" i="1" dirty="0"/>
+              <a:t>Presented by</a:t>
+            </a:r>
+          </a:p>
+        </p:txBody>
+      </p:sp>
+      <p:sp>
+        <p:nvSpPr>
+          <p:cNvPr id="9" name="TextBox 8">
+            <a:extLst>
+              <a:ext uri="{FF2B5EF4-FFF2-40B4-BE49-F238E27FC236}">
+                <a16:creationId xmlns:a16="http://schemas.microsoft.com/office/drawing/2014/main" id="{9C6AA8F1-3D17-46A7-8926-BC4892D4C51C}"/>
+              </a:ext>
+            </a:extLst>
+          </p:cNvPr>
+          <p:cNvSpPr txBox="1"/>
+          <p:nvPr userDrawn="1"/>
+        </p:nvSpPr>
+        <p:spPr>
+          <a:xfrm>
+            <a:off x="28657" y="2079048"/>
+            <a:ext cx="2889921" cy="932563"/>
+          </a:xfrm>
+          <a:prstGeom prst="rect">
+            <a:avLst/>
+          </a:prstGeom>
+          <a:noFill/>
+        </p:spPr>
+        <p:txBody>
+          <a:bodyPr wrap="square" lIns="118872" tIns="91440" rIns="118872" bIns="91440" rtlCol="0" anchor="ctr" anchorCtr="0">
+            <a:spAutoFit/>
+          </a:bodyPr>
+          <a:lstStyle/>
+          <a:p>
+            <a:pPr algn="l">
+              <a:lnSpc>
+                <a:spcPct val="90000"/>
+              </a:lnSpc>
+            </a:pPr>
+            <a:r>
+              <a:rPr lang="en-US" b="1" dirty="0"/>
+              <a:t>COLABS: Collaboration for Better Software for Science</a:t>
+            </a:r>
+          </a:p>
+        </p:txBody>
+      </p:sp>
+      <p:sp>
+        <p:nvSpPr>
+          <p:cNvPr id="10" name="TextBox 9">
+            <a:extLst>
+              <a:ext uri="{FF2B5EF4-FFF2-40B4-BE49-F238E27FC236}">
+                <a16:creationId xmlns:a16="http://schemas.microsoft.com/office/drawing/2014/main" id="{CE38D39D-3F53-1EF5-8F58-4DF913CFD07D}"/>
+              </a:ext>
+            </a:extLst>
+          </p:cNvPr>
+          <p:cNvSpPr txBox="1"/>
+          <p:nvPr userDrawn="1"/>
+        </p:nvSpPr>
+        <p:spPr>
+          <a:xfrm>
+            <a:off x="676315" y="3191133"/>
+            <a:ext cx="1594604" cy="350865"/>
+          </a:xfrm>
+          <a:prstGeom prst="rect">
+            <a:avLst/>
+          </a:prstGeom>
+          <a:noFill/>
+        </p:spPr>
+        <p:txBody>
+          <a:bodyPr wrap="none" lIns="118872" tIns="91440" rIns="118872" bIns="91440" rtlCol="0" anchor="ctr" anchorCtr="0">
+            <a:spAutoFit/>
+          </a:bodyPr>
+          <a:lstStyle/>
+          <a:p>
+            <a:pPr algn="l">
+              <a:lnSpc>
+                <a:spcPct val="90000"/>
+              </a:lnSpc>
+            </a:pPr>
+            <a:r>
+              <a:rPr lang="en-US" sz="1200" i="1" dirty="0"/>
+              <a:t>In collaboration with</a:t>
+            </a:r>
+          </a:p>
+        </p:txBody>
+      </p:sp>
+      <p:sp>
+        <p:nvSpPr>
+          <p:cNvPr id="15" name="TextBox 14">
+            <a:extLst>
+              <a:ext uri="{FF2B5EF4-FFF2-40B4-BE49-F238E27FC236}">
+                <a16:creationId xmlns:a16="http://schemas.microsoft.com/office/drawing/2014/main" id="{38A567DA-27A0-BFAF-CB9E-0EA56E125664}"/>
+              </a:ext>
+            </a:extLst>
+          </p:cNvPr>
+          <p:cNvSpPr txBox="1"/>
+          <p:nvPr userDrawn="1"/>
+        </p:nvSpPr>
+        <p:spPr>
+          <a:xfrm>
+            <a:off x="572120" y="4562849"/>
+            <a:ext cx="1802994" cy="350865"/>
+          </a:xfrm>
+          <a:prstGeom prst="rect">
+            <a:avLst/>
+          </a:prstGeom>
+          <a:noFill/>
+        </p:spPr>
+        <p:txBody>
+          <a:bodyPr wrap="none" lIns="118872" tIns="91440" rIns="118872" bIns="91440" rtlCol="0" anchor="ctr" anchorCtr="0">
+            <a:spAutoFit/>
+          </a:bodyPr>
+          <a:lstStyle/>
+          <a:p>
+            <a:pPr algn="l">
+              <a:lnSpc>
+                <a:spcPct val="90000"/>
+              </a:lnSpc>
+            </a:pPr>
+            <a:r>
+              <a:rPr lang="en-US" sz="1200" i="1" dirty="0"/>
+              <a:t>With prior support from</a:t>
+            </a:r>
+          </a:p>
+        </p:txBody>
+      </p:sp>
+      <p:grpSp>
+        <p:nvGrpSpPr>
+          <p:cNvPr id="20" name="Group 19">
+            <a:extLst>
+              <a:ext uri="{FF2B5EF4-FFF2-40B4-BE49-F238E27FC236}">
+                <a16:creationId xmlns:a16="http://schemas.microsoft.com/office/drawing/2014/main" id="{63A83523-6C92-DDA5-E072-BAC75B3276B6}"/>
+              </a:ext>
+            </a:extLst>
+          </p:cNvPr>
+          <p:cNvGrpSpPr/>
+          <p:nvPr userDrawn="1"/>
+        </p:nvGrpSpPr>
+        <p:grpSpPr>
+          <a:xfrm>
+            <a:off x="355043" y="5027111"/>
+            <a:ext cx="2237149" cy="457200"/>
+            <a:chOff x="343050" y="5128711"/>
+            <a:chExt cx="2237149" cy="457200"/>
+          </a:xfrm>
+        </p:grpSpPr>
+        <p:pic>
+          <p:nvPicPr>
+            <p:cNvPr id="17" name="Picture 16">
+              <a:extLst>
+                <a:ext uri="{FF2B5EF4-FFF2-40B4-BE49-F238E27FC236}">
+                  <a16:creationId xmlns:a16="http://schemas.microsoft.com/office/drawing/2014/main" id="{70EB972A-C812-2D11-E993-9648F06DCD53}"/>
+                </a:ext>
+              </a:extLst>
+            </p:cNvPr>
+            <p:cNvPicPr>
+              <a:picLocks noChangeAspect="1"/>
+            </p:cNvPicPr>
+            <p:nvPr userDrawn="1"/>
+          </p:nvPicPr>
+          <p:blipFill>
+            <a:blip r:embed="rId9" cstate="print">
+              <a:extLst>
+                <a:ext uri="{28A0092B-C50C-407E-A947-70E740481C1C}">
+                  <a14:useLocalDpi xmlns:a14="http://schemas.microsoft.com/office/drawing/2010/main" val="0"/>
+                </a:ext>
+              </a:extLst>
+            </a:blip>
+            <a:stretch>
+              <a:fillRect/>
+            </a:stretch>
+          </p:blipFill>
+          <p:spPr>
+            <a:xfrm>
+              <a:off x="343050" y="5128711"/>
+              <a:ext cx="1002296" cy="457200"/>
+            </a:xfrm>
+            <a:prstGeom prst="rect">
+              <a:avLst/>
+            </a:prstGeom>
+          </p:spPr>
+        </p:pic>
+        <p:pic>
+          <p:nvPicPr>
+            <p:cNvPr id="18" name="Picture 17" descr="A picture containing shape&#10;&#10;Description automatically generated">
+              <a:extLst>
+                <a:ext uri="{FF2B5EF4-FFF2-40B4-BE49-F238E27FC236}">
+                  <a16:creationId xmlns:a16="http://schemas.microsoft.com/office/drawing/2014/main" id="{DC5CC62A-5FBA-A239-536C-E231ED3105F0}"/>
+                </a:ext>
+              </a:extLst>
+            </p:cNvPr>
+            <p:cNvPicPr>
+              <a:picLocks noChangeAspect="1"/>
+            </p:cNvPicPr>
+            <p:nvPr userDrawn="1"/>
+          </p:nvPicPr>
+          <p:blipFill>
+            <a:blip r:embed="rId10">
+              <a:extLst>
+                <a:ext uri="{28A0092B-C50C-407E-A947-70E740481C1C}">
+                  <a14:useLocalDpi xmlns:a14="http://schemas.microsoft.com/office/drawing/2010/main" val="0"/>
+                </a:ext>
+              </a:extLst>
+            </a:blip>
+            <a:stretch>
+              <a:fillRect/>
+            </a:stretch>
+          </p:blipFill>
+          <p:spPr>
+            <a:xfrm>
+              <a:off x="1525950" y="5128711"/>
+              <a:ext cx="1054249" cy="457200"/>
+            </a:xfrm>
+            <a:prstGeom prst="rect">
+              <a:avLst/>
+            </a:prstGeom>
+          </p:spPr>
+        </p:pic>
+      </p:grpSp>
     </p:spTree>
     <p:extLst>
       <p:ext uri="{BB962C8B-B14F-4D97-AF65-F5344CB8AC3E}">
-        <p14:creationId xmlns:p14="http://schemas.microsoft.com/office/powerpoint/2010/main" val="451228200"/>
+        <p14:creationId xmlns:p14="http://schemas.microsoft.com/office/powerpoint/2010/main" val="1727176579"/>
       </p:ext>
     </p:extLst>
   </p:cSld>
@@ -5204,36 +5804,6 @@
           </a:p>
         </p:txBody>
       </p:sp>
-      <p:pic>
-        <p:nvPicPr>
-          <p:cNvPr id="13" name="Picture 12"/>
-          <p:cNvPicPr>
-            <a:picLocks noChangeAspect="1"/>
-          </p:cNvPicPr>
-          <p:nvPr userDrawn="1"/>
-        </p:nvPicPr>
-        <p:blipFill>
-          <a:blip r:embed="rId9" cstate="print">
-            <a:extLst>
-              <a:ext uri="{28A0092B-C50C-407E-A947-70E740481C1C}">
-                <a14:useLocalDpi xmlns:a14="http://schemas.microsoft.com/office/drawing/2010/main" val="0"/>
-              </a:ext>
-            </a:extLst>
-          </a:blip>
-          <a:stretch>
-            <a:fillRect/>
-          </a:stretch>
-        </p:blipFill>
-        <p:spPr>
-          <a:xfrm>
-            <a:off x="9741160" y="6185919"/>
-            <a:ext cx="1971212" cy="533060"/>
-          </a:xfrm>
-          <a:prstGeom prst="rect">
-            <a:avLst/>
-          </a:prstGeom>
-        </p:spPr>
-      </p:pic>
       <p:sp>
         <p:nvSpPr>
           <p:cNvPr id="8" name="Rectangle 256"/>
@@ -5337,42 +5907,6 @@
           </a:p>
         </p:txBody>
       </p:sp>
-      <p:pic>
-        <p:nvPicPr>
-          <p:cNvPr id="3" name="Picture 2" descr="A picture containing shape&#10;&#10;Description automatically generated">
-            <a:extLst>
-              <a:ext uri="{FF2B5EF4-FFF2-40B4-BE49-F238E27FC236}">
-                <a16:creationId xmlns:a16="http://schemas.microsoft.com/office/drawing/2014/main" id="{2A4943B8-0F89-4A94-B130-A128F45E57C4}"/>
-              </a:ext>
-            </a:extLst>
-          </p:cNvPr>
-          <p:cNvPicPr>
-            <a:picLocks noChangeAspect="1"/>
-          </p:cNvPicPr>
-          <p:nvPr userDrawn="1"/>
-        </p:nvPicPr>
-        <p:blipFill>
-          <a:blip r:embed="rId10">
-            <a:extLst>
-              <a:ext uri="{28A0092B-C50C-407E-A947-70E740481C1C}">
-                <a14:useLocalDpi xmlns:a14="http://schemas.microsoft.com/office/drawing/2010/main" val="0"/>
-              </a:ext>
-            </a:extLst>
-          </a:blip>
-          <a:stretch>
-            <a:fillRect/>
-          </a:stretch>
-        </p:blipFill>
-        <p:spPr>
-          <a:xfrm>
-            <a:off x="7806050" y="6114121"/>
-            <a:ext cx="1560289" cy="676656"/>
-          </a:xfrm>
-          <a:prstGeom prst="rect">
-            <a:avLst/>
-          </a:prstGeom>
-        </p:spPr>
-      </p:pic>
     </p:spTree>
     <p:extLst>
       <p:ext uri="{BB962C8B-B14F-4D97-AF65-F5344CB8AC3E}">
@@ -5383,7 +5917,7 @@
   <p:clrMap bg1="lt1" tx1="dk1" bg2="lt2" tx2="dk2" accent1="accent1" accent2="accent2" accent3="accent3" accent4="accent4" accent5="accent5" accent6="accent6" hlink="hlink" folHlink="folHlink"/>
   <p:sldLayoutIdLst>
     <p:sldLayoutId id="2147483952" r:id="rId1"/>
-    <p:sldLayoutId id="2147483951" r:id="rId2"/>
+    <p:sldLayoutId id="2147483953" r:id="rId2"/>
     <p:sldLayoutId id="2147483937" r:id="rId3"/>
     <p:sldLayoutId id="2147483939" r:id="rId4"/>
     <p:sldLayoutId id="2147483950" r:id="rId5"/>
@@ -6075,7 +6609,7 @@
     </p:spTree>
     <p:extLst>
       <p:ext uri="{BB962C8B-B14F-4D97-AF65-F5344CB8AC3E}">
-        <p14:creationId xmlns:p14="http://schemas.microsoft.com/office/powerpoint/2010/main" val="2194705569"/>
+        <p14:creationId xmlns:p14="http://schemas.microsoft.com/office/powerpoint/2010/main" val="2767525821"/>
       </p:ext>
     </p:extLst>
   </p:cSld>
@@ -6513,7 +7047,7 @@
     </p:spTree>
     <p:extLst>
       <p:ext uri="{BB962C8B-B14F-4D97-AF65-F5344CB8AC3E}">
-        <p14:creationId xmlns:p14="http://schemas.microsoft.com/office/powerpoint/2010/main" val="427713538"/>
+        <p14:creationId xmlns:p14="http://schemas.microsoft.com/office/powerpoint/2010/main" val="1880679348"/>
       </p:ext>
     </p:extLst>
   </p:cSld>
@@ -6977,7 +7511,7 @@
     </p:spTree>
     <p:extLst>
       <p:ext uri="{BB962C8B-B14F-4D97-AF65-F5344CB8AC3E}">
-        <p14:creationId xmlns:p14="http://schemas.microsoft.com/office/powerpoint/2010/main" val="624242411"/>
+        <p14:creationId xmlns:p14="http://schemas.microsoft.com/office/powerpoint/2010/main" val="2713176169"/>
       </p:ext>
     </p:extLst>
   </p:cSld>
@@ -7282,7 +7816,7 @@
     </p:spTree>
     <p:extLst>
       <p:ext uri="{BB962C8B-B14F-4D97-AF65-F5344CB8AC3E}">
-        <p14:creationId xmlns:p14="http://schemas.microsoft.com/office/powerpoint/2010/main" val="919279260"/>
+        <p14:creationId xmlns:p14="http://schemas.microsoft.com/office/powerpoint/2010/main" val="2347637257"/>
       </p:ext>
     </p:extLst>
   </p:cSld>
@@ -7551,7 +8085,7 @@
     </p:spTree>
     <p:extLst>
       <p:ext uri="{BB962C8B-B14F-4D97-AF65-F5344CB8AC3E}">
-        <p14:creationId xmlns:p14="http://schemas.microsoft.com/office/powerpoint/2010/main" val="649340998"/>
+        <p14:creationId xmlns:p14="http://schemas.microsoft.com/office/powerpoint/2010/main" val="2149932460"/>
       </p:ext>
     </p:extLst>
   </p:cSld>
@@ -8273,7 +8807,7 @@
     </p:spTree>
     <p:extLst>
       <p:ext uri="{BB962C8B-B14F-4D97-AF65-F5344CB8AC3E}">
-        <p14:creationId xmlns:p14="http://schemas.microsoft.com/office/powerpoint/2010/main" val="305043427"/>
+        <p14:creationId xmlns:p14="http://schemas.microsoft.com/office/powerpoint/2010/main" val="2656474807"/>
       </p:ext>
     </p:extLst>
   </p:cSld>
@@ -8665,7 +9199,7 @@
     </p:spTree>
     <p:extLst>
       <p:ext uri="{BB962C8B-B14F-4D97-AF65-F5344CB8AC3E}">
-        <p14:creationId xmlns:p14="http://schemas.microsoft.com/office/powerpoint/2010/main" val="2785889639"/>
+        <p14:creationId xmlns:p14="http://schemas.microsoft.com/office/powerpoint/2010/main" val="1077370577"/>
       </p:ext>
     </p:extLst>
   </p:cSld>
@@ -9952,7 +10486,7 @@
     </p:spTree>
     <p:extLst>
       <p:ext uri="{BB962C8B-B14F-4D97-AF65-F5344CB8AC3E}">
-        <p14:creationId xmlns:p14="http://schemas.microsoft.com/office/powerpoint/2010/main" val="1997159862"/>
+        <p14:creationId xmlns:p14="http://schemas.microsoft.com/office/powerpoint/2010/main" val="3785792248"/>
       </p:ext>
     </p:extLst>
   </p:cSld>
@@ -11213,7 +11747,7 @@
     </p:spTree>
     <p:extLst>
       <p:ext uri="{BB962C8B-B14F-4D97-AF65-F5344CB8AC3E}">
-        <p14:creationId xmlns:p14="http://schemas.microsoft.com/office/powerpoint/2010/main" val="1274058493"/>
+        <p14:creationId xmlns:p14="http://schemas.microsoft.com/office/powerpoint/2010/main" val="2646577204"/>
       </p:ext>
     </p:extLst>
   </p:cSld>
@@ -12214,7 +12748,7 @@
     </p:spTree>
     <p:extLst>
       <p:ext uri="{BB962C8B-B14F-4D97-AF65-F5344CB8AC3E}">
-        <p14:creationId xmlns:p14="http://schemas.microsoft.com/office/powerpoint/2010/main" val="3967824220"/>
+        <p14:creationId xmlns:p14="http://schemas.microsoft.com/office/powerpoint/2010/main" val="1431624785"/>
       </p:ext>
     </p:extLst>
   </p:cSld>
@@ -12353,7 +12887,7 @@
     </p:spTree>
     <p:extLst>
       <p:ext uri="{BB962C8B-B14F-4D97-AF65-F5344CB8AC3E}">
-        <p14:creationId xmlns:p14="http://schemas.microsoft.com/office/powerpoint/2010/main" val="1182107418"/>
+        <p14:creationId xmlns:p14="http://schemas.microsoft.com/office/powerpoint/2010/main" val="2619437928"/>
       </p:ext>
     </p:extLst>
   </p:cSld>
@@ -12485,36 +13019,26 @@
               <a:t>The requested citation the overall tutorial is: </a:t>
             </a:r>
             <a:r>
-              <a:rPr lang="en-US" sz="1600" b="0" i="0" dirty="0">
-                <a:solidFill>
-                  <a:srgbClr val="111111"/>
-                </a:solidFill>
-                <a:effectLst/>
-                <a:latin typeface="+mn-lt"/>
-              </a:rPr>
-              <a:t>David E. Bernholdt, Patricia A. Grubel, David M. Rogers, and Gregory R. Watson, Better Software for Reproducible Science tutorial, in The International Conference for High-Performance Computing, Networking, Storage, and Analysis (SC23), Denver, Colorado, 2023. DOI: </a:t>
-            </a:r>
-            <a:r>
-              <a:rPr lang="en-US" sz="1600" b="0" i="0" u="none" strike="noStrike" dirty="0">
-                <a:solidFill>
-                  <a:srgbClr val="2A7AE2"/>
-                </a:solidFill>
-                <a:effectLst/>
-                <a:latin typeface="+mn-lt"/>
+              <a:rPr lang="en-US" sz="1600" dirty="0"/>
+              <a:t>Anshu Dubey and Gregory R. Watson, Software Practices for Reproducible Science tutorial, in 2024 ACM Conference on Reproducibility and Replicability (ACM-REP), Rennes, France and online, 2024. DOI: </a:t>
+            </a:r>
+            <a:r>
+              <a:rPr lang="en-US" sz="1600" dirty="0">
                 <a:hlinkClick r:id="rId4"/>
               </a:rPr>
-              <a:t>10.6084/m9.figshare.24226105</a:t>
-            </a:r>
-            <a:r>
-              <a:rPr lang="en-US" sz="1600" b="0" i="0" dirty="0">
-                <a:solidFill>
-                  <a:srgbClr val="111111"/>
-                </a:solidFill>
-                <a:effectLst/>
-                <a:latin typeface="+mn-lt"/>
-              </a:rPr>
+              <a:t>10.6084/m9.figshare.26019469</a:t>
+            </a:r>
+            <a:r>
+              <a:rPr lang="en-US" sz="1600" b="1" dirty="0"/>
               <a:t>.</a:t>
             </a:r>
+            <a:endParaRPr lang="en-US" sz="1600" b="0" i="0" dirty="0">
+              <a:solidFill>
+                <a:srgbClr val="111111"/>
+              </a:solidFill>
+              <a:effectLst/>
+              <a:latin typeface="+mn-lt"/>
+            </a:endParaRPr>
           </a:p>
           <a:p>
             <a:pPr>
@@ -12575,7 +13099,20 @@
               <a:rPr lang="en-US" sz="1400" i="1" dirty="0"/>
               <a:t>.</a:t>
             </a:r>
-            <a:endParaRPr lang="en-US" sz="1400" dirty="0"/>
+          </a:p>
+          <a:p>
+            <a:pPr>
+              <a:spcBef>
+                <a:spcPts val="400"/>
+              </a:spcBef>
+            </a:pPr>
+            <a:r>
+              <a:rPr lang="en-US" sz="1400" b="0" i="0" dirty="0">
+                <a:effectLst/>
+                <a:latin typeface="+mn-lt"/>
+              </a:rPr>
+              <a:t>This work was supported by the U.S. Department of Energy, Office of Science, Office of Advanced Scientific Computing Research, Next-Generation Scientific Software Technologies (NGSST) program.</a:t>
+            </a:r>
           </a:p>
           <a:p>
             <a:pPr>
@@ -12684,7 +13221,7 @@
     </p:spTree>
     <p:extLst>
       <p:ext uri="{BB962C8B-B14F-4D97-AF65-F5344CB8AC3E}">
-        <p14:creationId xmlns:p14="http://schemas.microsoft.com/office/powerpoint/2010/main" val="3835473827"/>
+        <p14:creationId xmlns:p14="http://schemas.microsoft.com/office/powerpoint/2010/main" val="1454469240"/>
       </p:ext>
     </p:extLst>
   </p:cSld>
@@ -12813,7 +13350,7 @@
     </p:spTree>
     <p:extLst>
       <p:ext uri="{BB962C8B-B14F-4D97-AF65-F5344CB8AC3E}">
-        <p14:creationId xmlns:p14="http://schemas.microsoft.com/office/powerpoint/2010/main" val="800251862"/>
+        <p14:creationId xmlns:p14="http://schemas.microsoft.com/office/powerpoint/2010/main" val="3640094340"/>
       </p:ext>
     </p:extLst>
   </p:cSld>
@@ -13227,7 +13764,7 @@
     </p:spTree>
     <p:extLst>
       <p:ext uri="{BB962C8B-B14F-4D97-AF65-F5344CB8AC3E}">
-        <p14:creationId xmlns:p14="http://schemas.microsoft.com/office/powerpoint/2010/main" val="1838737094"/>
+        <p14:creationId xmlns:p14="http://schemas.microsoft.com/office/powerpoint/2010/main" val="2557147522"/>
       </p:ext>
     </p:extLst>
   </p:cSld>
@@ -13384,7 +13921,7 @@
     </p:spTree>
     <p:extLst>
       <p:ext uri="{BB962C8B-B14F-4D97-AF65-F5344CB8AC3E}">
-        <p14:creationId xmlns:p14="http://schemas.microsoft.com/office/powerpoint/2010/main" val="2647725201"/>
+        <p14:creationId xmlns:p14="http://schemas.microsoft.com/office/powerpoint/2010/main" val="2448398376"/>
       </p:ext>
     </p:extLst>
   </p:cSld>
@@ -13583,7 +14120,7 @@
     </p:spTree>
     <p:extLst>
       <p:ext uri="{BB962C8B-B14F-4D97-AF65-F5344CB8AC3E}">
-        <p14:creationId xmlns:p14="http://schemas.microsoft.com/office/powerpoint/2010/main" val="1622342815"/>
+        <p14:creationId xmlns:p14="http://schemas.microsoft.com/office/powerpoint/2010/main" val="3461269617"/>
       </p:ext>
     </p:extLst>
   </p:cSld>
@@ -13906,7 +14443,7 @@
     </p:spTree>
     <p:extLst>
       <p:ext uri="{BB962C8B-B14F-4D97-AF65-F5344CB8AC3E}">
-        <p14:creationId xmlns:p14="http://schemas.microsoft.com/office/powerpoint/2010/main" val="2383419932"/>
+        <p14:creationId xmlns:p14="http://schemas.microsoft.com/office/powerpoint/2010/main" val="76518344"/>
       </p:ext>
     </p:extLst>
   </p:cSld>
@@ -14072,7 +14609,7 @@
     </p:spTree>
     <p:extLst>
       <p:ext uri="{BB962C8B-B14F-4D97-AF65-F5344CB8AC3E}">
-        <p14:creationId xmlns:p14="http://schemas.microsoft.com/office/powerpoint/2010/main" val="404456089"/>
+        <p14:creationId xmlns:p14="http://schemas.microsoft.com/office/powerpoint/2010/main" val="1906651385"/>
       </p:ext>
     </p:extLst>
   </p:cSld>
@@ -14302,7 +14839,7 @@
     </p:spTree>
     <p:extLst>
       <p:ext uri="{BB962C8B-B14F-4D97-AF65-F5344CB8AC3E}">
-        <p14:creationId xmlns:p14="http://schemas.microsoft.com/office/powerpoint/2010/main" val="2419301676"/>
+        <p14:creationId xmlns:p14="http://schemas.microsoft.com/office/powerpoint/2010/main" val="2593945665"/>
       </p:ext>
     </p:extLst>
   </p:cSld>
@@ -14440,7 +14977,7 @@
     </p:spTree>
     <p:extLst>
       <p:ext uri="{BB962C8B-B14F-4D97-AF65-F5344CB8AC3E}">
-        <p14:creationId xmlns:p14="http://schemas.microsoft.com/office/powerpoint/2010/main" val="3108808925"/>
+        <p14:creationId xmlns:p14="http://schemas.microsoft.com/office/powerpoint/2010/main" val="4018605973"/>
       </p:ext>
     </p:extLst>
   </p:cSld>
@@ -14987,7 +15524,7 @@
     </p:spTree>
     <p:extLst>
       <p:ext uri="{BB962C8B-B14F-4D97-AF65-F5344CB8AC3E}">
-        <p14:creationId xmlns:p14="http://schemas.microsoft.com/office/powerpoint/2010/main" val="1932176814"/>
+        <p14:creationId xmlns:p14="http://schemas.microsoft.com/office/powerpoint/2010/main" val="3479281868"/>
       </p:ext>
     </p:extLst>
   </p:cSld>
@@ -16395,7 +16932,7 @@
     </p:spTree>
     <p:extLst>
       <p:ext uri="{BB962C8B-B14F-4D97-AF65-F5344CB8AC3E}">
-        <p14:creationId xmlns:p14="http://schemas.microsoft.com/office/powerpoint/2010/main" val="2690226132"/>
+        <p14:creationId xmlns:p14="http://schemas.microsoft.com/office/powerpoint/2010/main" val="3569947510"/>
       </p:ext>
     </p:extLst>
   </p:cSld>
@@ -16548,7 +17085,7 @@
     </p:spTree>
     <p:extLst>
       <p:ext uri="{BB962C8B-B14F-4D97-AF65-F5344CB8AC3E}">
-        <p14:creationId xmlns:p14="http://schemas.microsoft.com/office/powerpoint/2010/main" val="1679236964"/>
+        <p14:creationId xmlns:p14="http://schemas.microsoft.com/office/powerpoint/2010/main" val="4069256310"/>
       </p:ext>
     </p:extLst>
   </p:cSld>
@@ -16944,7 +17481,7 @@
     </p:spTree>
     <p:extLst>
       <p:ext uri="{BB962C8B-B14F-4D97-AF65-F5344CB8AC3E}">
-        <p14:creationId xmlns:p14="http://schemas.microsoft.com/office/powerpoint/2010/main" val="3024722253"/>
+        <p14:creationId xmlns:p14="http://schemas.microsoft.com/office/powerpoint/2010/main" val="4139593110"/>
       </p:ext>
     </p:extLst>
   </p:cSld>
@@ -17518,7 +18055,7 @@
     </p:spTree>
     <p:extLst>
       <p:ext uri="{BB962C8B-B14F-4D97-AF65-F5344CB8AC3E}">
-        <p14:creationId xmlns:p14="http://schemas.microsoft.com/office/powerpoint/2010/main" val="1881843973"/>
+        <p14:creationId xmlns:p14="http://schemas.microsoft.com/office/powerpoint/2010/main" val="1495594006"/>
       </p:ext>
     </p:extLst>
   </p:cSld>
@@ -17693,7 +18230,7 @@
     </p:spTree>
     <p:extLst>
       <p:ext uri="{BB962C8B-B14F-4D97-AF65-F5344CB8AC3E}">
-        <p14:creationId xmlns:p14="http://schemas.microsoft.com/office/powerpoint/2010/main" val="2944952770"/>
+        <p14:creationId xmlns:p14="http://schemas.microsoft.com/office/powerpoint/2010/main" val="3923647049"/>
       </p:ext>
     </p:extLst>
   </p:cSld>
@@ -18134,7 +18671,7 @@
     </p:spTree>
     <p:extLst>
       <p:ext uri="{BB962C8B-B14F-4D97-AF65-F5344CB8AC3E}">
-        <p14:creationId xmlns:p14="http://schemas.microsoft.com/office/powerpoint/2010/main" val="3959022378"/>
+        <p14:creationId xmlns:p14="http://schemas.microsoft.com/office/powerpoint/2010/main" val="3437456615"/>
       </p:ext>
     </p:extLst>
   </p:cSld>
@@ -18495,7 +19032,7 @@
     </p:spTree>
     <p:extLst>
       <p:ext uri="{BB962C8B-B14F-4D97-AF65-F5344CB8AC3E}">
-        <p14:creationId xmlns:p14="http://schemas.microsoft.com/office/powerpoint/2010/main" val="3067293054"/>
+        <p14:creationId xmlns:p14="http://schemas.microsoft.com/office/powerpoint/2010/main" val="2987209518"/>
       </p:ext>
     </p:extLst>
   </p:cSld>
@@ -18810,7 +19347,7 @@
     </p:spTree>
     <p:extLst>
       <p:ext uri="{BB962C8B-B14F-4D97-AF65-F5344CB8AC3E}">
-        <p14:creationId xmlns:p14="http://schemas.microsoft.com/office/powerpoint/2010/main" val="2242859434"/>
+        <p14:creationId xmlns:p14="http://schemas.microsoft.com/office/powerpoint/2010/main" val="1361053921"/>
       </p:ext>
     </p:extLst>
   </p:cSld>
@@ -19283,7 +19820,7 @@
     </p:spTree>
     <p:extLst>
       <p:ext uri="{BB962C8B-B14F-4D97-AF65-F5344CB8AC3E}">
-        <p14:creationId xmlns:p14="http://schemas.microsoft.com/office/powerpoint/2010/main" val="3265700624"/>
+        <p14:creationId xmlns:p14="http://schemas.microsoft.com/office/powerpoint/2010/main" val="2705185214"/>
       </p:ext>
     </p:extLst>
   </p:cSld>
@@ -19394,7 +19931,7 @@
     </p:spTree>
     <p:extLst>
       <p:ext uri="{BB962C8B-B14F-4D97-AF65-F5344CB8AC3E}">
-        <p14:creationId xmlns:p14="http://schemas.microsoft.com/office/powerpoint/2010/main" val="1664126240"/>
+        <p14:creationId xmlns:p14="http://schemas.microsoft.com/office/powerpoint/2010/main" val="805379562"/>
       </p:ext>
     </p:extLst>
   </p:cSld>
@@ -19685,7 +20222,7 @@
     </p:spTree>
     <p:extLst>
       <p:ext uri="{BB962C8B-B14F-4D97-AF65-F5344CB8AC3E}">
-        <p14:creationId xmlns:p14="http://schemas.microsoft.com/office/powerpoint/2010/main" val="90278594"/>
+        <p14:creationId xmlns:p14="http://schemas.microsoft.com/office/powerpoint/2010/main" val="2491575011"/>
       </p:ext>
     </p:extLst>
   </p:cSld>
@@ -19814,7 +20351,7 @@
     </p:spTree>
     <p:extLst>
       <p:ext uri="{BB962C8B-B14F-4D97-AF65-F5344CB8AC3E}">
-        <p14:creationId xmlns:p14="http://schemas.microsoft.com/office/powerpoint/2010/main" val="131341354"/>
+        <p14:creationId xmlns:p14="http://schemas.microsoft.com/office/powerpoint/2010/main" val="2204261403"/>
       </p:ext>
     </p:extLst>
   </p:cSld>
@@ -20052,7 +20589,7 @@
     </p:spTree>
     <p:extLst>
       <p:ext uri="{BB962C8B-B14F-4D97-AF65-F5344CB8AC3E}">
-        <p14:creationId xmlns:p14="http://schemas.microsoft.com/office/powerpoint/2010/main" val="1195349493"/>
+        <p14:creationId xmlns:p14="http://schemas.microsoft.com/office/powerpoint/2010/main" val="2686444371"/>
       </p:ext>
     </p:extLst>
   </p:cSld>
@@ -21198,7 +21735,7 @@
     </p:spTree>
     <p:extLst>
       <p:ext uri="{BB962C8B-B14F-4D97-AF65-F5344CB8AC3E}">
-        <p14:creationId xmlns:p14="http://schemas.microsoft.com/office/powerpoint/2010/main" val="3523241082"/>
+        <p14:creationId xmlns:p14="http://schemas.microsoft.com/office/powerpoint/2010/main" val="4061959041"/>
       </p:ext>
     </p:extLst>
   </p:cSld>
@@ -21687,7 +22224,7 @@
     </p:spTree>
     <p:extLst>
       <p:ext uri="{BB962C8B-B14F-4D97-AF65-F5344CB8AC3E}">
-        <p14:creationId xmlns:p14="http://schemas.microsoft.com/office/powerpoint/2010/main" val="3224032409"/>
+        <p14:creationId xmlns:p14="http://schemas.microsoft.com/office/powerpoint/2010/main" val="3692456135"/>
       </p:ext>
     </p:extLst>
   </p:cSld>
@@ -22610,21 +23147,6 @@
 </file>
 
 <file path=customXml/item1.xml><?xml version="1.0" encoding="utf-8"?>
-<?mso-contentType ?>
-<FormTemplates xmlns="http://schemas.microsoft.com/sharepoint/v3/contenttype/forms">
-  <Display>DocumentLibraryForm</Display>
-  <Edit>DocumentLibraryForm</Edit>
-  <New>DocumentLibraryForm</New>
-</FormTemplates>
-</file>
-
-<file path=customXml/item2.xml><?xml version="1.0" encoding="utf-8"?>
-<p:properties xmlns:p="http://schemas.microsoft.com/office/2006/metadata/properties" xmlns:xsi="http://www.w3.org/2001/XMLSchema-instance" xmlns:pc="http://schemas.microsoft.com/office/infopath/2007/PartnerControls">
-  <documentManagement/>
-</p:properties>
-</file>
-
-<file path=customXml/item3.xml><?xml version="1.0" encoding="utf-8"?>
 <ct:contentTypeSchema xmlns:ct="http://schemas.microsoft.com/office/2006/metadata/contentType" xmlns:ma="http://schemas.microsoft.com/office/2006/metadata/properties/metaAttributes" ct:_="" ma:_="" ma:contentTypeName="Document" ma:contentTypeID="0x010100565464437F680748A68B85EB6594EA7D" ma:contentTypeVersion="0" ma:contentTypeDescription="Create a new document." ma:contentTypeScope="" ma:versionID="fe3f4dd58d5914c51cfc6deaa8ad845c">
   <xsd:schema xmlns:xsd="http://www.w3.org/2001/XMLSchema" xmlns:p="http://schemas.microsoft.com/office/2006/metadata/properties" targetNamespace="http://schemas.microsoft.com/office/2006/metadata/properties" ma:root="true" ma:fieldsID="4aeb20c0e3442673af7ee10786458764">
     <xsd:element name="properties">
@@ -22673,10 +23195,32 @@
 </ct:contentTypeSchema>
 </file>
 
+<file path=customXml/item2.xml><?xml version="1.0" encoding="utf-8"?>
+<p:properties xmlns:p="http://schemas.microsoft.com/office/2006/metadata/properties" xmlns:xsi="http://www.w3.org/2001/XMLSchema-instance" xmlns:pc="http://schemas.microsoft.com/office/infopath/2007/PartnerControls">
+  <documentManagement/>
+</p:properties>
+</file>
+
+<file path=customXml/item3.xml><?xml version="1.0" encoding="utf-8"?>
+<?mso-contentType ?>
+<FormTemplates xmlns="http://schemas.microsoft.com/sharepoint/v3/contenttype/forms">
+  <Display>DocumentLibraryForm</Display>
+  <Edit>DocumentLibraryForm</Edit>
+  <New>DocumentLibraryForm</New>
+</FormTemplates>
+</file>
+
 <file path=customXml/itemProps1.xml><?xml version="1.0" encoding="utf-8"?>
-<ds:datastoreItem xmlns:ds="http://schemas.openxmlformats.org/officeDocument/2006/customXml" ds:itemID="{19E20559-B232-4371-8690-E3D8007EDB82}">
+<ds:datastoreItem xmlns:ds="http://schemas.openxmlformats.org/officeDocument/2006/customXml" ds:itemID="{E8DB7DEB-074E-4EE8-9B6E-FD277323109C}">
   <ds:schemaRefs>
-    <ds:schemaRef ds:uri="http://schemas.microsoft.com/sharepoint/v3/contenttype/forms"/>
+    <ds:schemaRef ds:uri="http://schemas.microsoft.com/office/2006/metadata/contentType"/>
+    <ds:schemaRef ds:uri="http://schemas.microsoft.com/office/2006/metadata/properties/metaAttributes"/>
+    <ds:schemaRef ds:uri="http://www.w3.org/2001/XMLSchema"/>
+    <ds:schemaRef ds:uri="http://schemas.microsoft.com/office/2006/metadata/properties"/>
+    <ds:schemaRef ds:uri="http://schemas.openxmlformats.org/package/2006/metadata/core-properties"/>
+    <ds:schemaRef ds:uri="http://purl.org/dc/elements/1.1/"/>
+    <ds:schemaRef ds:uri="http://purl.org/dc/terms/"/>
+    <ds:schemaRef ds:uri="http://schemas.microsoft.com/office/internal/2005/internalDocumentation"/>
   </ds:schemaRefs>
 </ds:datastoreItem>
 </file>
@@ -22697,16 +23241,9 @@
 </file>
 
 <file path=customXml/itemProps3.xml><?xml version="1.0" encoding="utf-8"?>
-<ds:datastoreItem xmlns:ds="http://schemas.openxmlformats.org/officeDocument/2006/customXml" ds:itemID="{E8DB7DEB-074E-4EE8-9B6E-FD277323109C}">
+<ds:datastoreItem xmlns:ds="http://schemas.openxmlformats.org/officeDocument/2006/customXml" ds:itemID="{19E20559-B232-4371-8690-E3D8007EDB82}">
   <ds:schemaRefs>
-    <ds:schemaRef ds:uri="http://schemas.microsoft.com/office/2006/metadata/contentType"/>
-    <ds:schemaRef ds:uri="http://schemas.microsoft.com/office/2006/metadata/properties/metaAttributes"/>
-    <ds:schemaRef ds:uri="http://www.w3.org/2001/XMLSchema"/>
-    <ds:schemaRef ds:uri="http://schemas.microsoft.com/office/2006/metadata/properties"/>
-    <ds:schemaRef ds:uri="http://schemas.openxmlformats.org/package/2006/metadata/core-properties"/>
-    <ds:schemaRef ds:uri="http://purl.org/dc/elements/1.1/"/>
-    <ds:schemaRef ds:uri="http://purl.org/dc/terms/"/>
-    <ds:schemaRef ds:uri="http://schemas.microsoft.com/office/internal/2005/internalDocumentation"/>
+    <ds:schemaRef ds:uri="http://schemas.microsoft.com/sharepoint/v3/contenttype/forms"/>
   </ds:schemaRefs>
 </ds:datastoreItem>
 </file>
--- a/rep-workflows.pptx
+++ b/rep-workflows.pptx
@@ -290,7 +290,7 @@
           <a:p>
             <a:fld id="{0B842F42-2CE9-4E35-95C1-410DC08A50B1}" type="datetimeFigureOut">
               <a:rPr lang="en-US" smtClean="0"/>
-              <a:t>6/12/24</a:t>
+              <a:t>6/17/2024</a:t>
             </a:fld>
             <a:endParaRPr lang="en-US"/>
           </a:p>
@@ -455,7 +455,7 @@
           <a:p>
             <a:fld id="{6F282904-F315-4730-8D91-37D99E141A6F}" type="datetimeFigureOut">
               <a:rPr lang="en-US" smtClean="0"/>
-              <a:t>6/12/24</a:t>
+              <a:t>6/17/2024</a:t>
             </a:fld>
             <a:endParaRPr lang="en-US"/>
           </a:p>
@@ -6562,7 +6562,7 @@
                 <a:effectLst/>
                 <a:latin typeface="+mn-lt"/>
               </a:rPr>
-              <a:t>Better Software for Reproducible Science tutorial</a:t>
+              <a:t>Software Practices for Reproducible Science tutorial</a:t>
             </a:r>
             <a:r>
               <a:rPr lang="en-US" sz="2000" dirty="0">
@@ -6572,7 +6572,7 @@
             </a:r>
             <a:r>
               <a:rPr lang="en-US" sz="2000" dirty="0"/>
-              <a:t>@ SC23</a:t>
+              <a:t>@ ACM-REP 2024</a:t>
             </a:r>
           </a:p>
         </p:txBody>
@@ -23147,6 +23147,12 @@
 </file>
 
 <file path=customXml/item1.xml><?xml version="1.0" encoding="utf-8"?>
+<p:properties xmlns:p="http://schemas.microsoft.com/office/2006/metadata/properties" xmlns:xsi="http://www.w3.org/2001/XMLSchema-instance" xmlns:pc="http://schemas.microsoft.com/office/infopath/2007/PartnerControls">
+  <documentManagement/>
+</p:properties>
+</file>
+
+<file path=customXml/item2.xml><?xml version="1.0" encoding="utf-8"?>
 <ct:contentTypeSchema xmlns:ct="http://schemas.microsoft.com/office/2006/metadata/contentType" xmlns:ma="http://schemas.microsoft.com/office/2006/metadata/properties/metaAttributes" ct:_="" ma:_="" ma:contentTypeName="Document" ma:contentTypeID="0x010100565464437F680748A68B85EB6594EA7D" ma:contentTypeVersion="0" ma:contentTypeDescription="Create a new document." ma:contentTypeScope="" ma:versionID="fe3f4dd58d5914c51cfc6deaa8ad845c">
   <xsd:schema xmlns:xsd="http://www.w3.org/2001/XMLSchema" xmlns:p="http://schemas.microsoft.com/office/2006/metadata/properties" targetNamespace="http://schemas.microsoft.com/office/2006/metadata/properties" ma:root="true" ma:fieldsID="4aeb20c0e3442673af7ee10786458764">
     <xsd:element name="properties">
@@ -23195,12 +23201,6 @@
 </ct:contentTypeSchema>
 </file>
 
-<file path=customXml/item2.xml><?xml version="1.0" encoding="utf-8"?>
-<p:properties xmlns:p="http://schemas.microsoft.com/office/2006/metadata/properties" xmlns:xsi="http://www.w3.org/2001/XMLSchema-instance" xmlns:pc="http://schemas.microsoft.com/office/infopath/2007/PartnerControls">
-  <documentManagement/>
-</p:properties>
-</file>
-
 <file path=customXml/item3.xml><?xml version="1.0" encoding="utf-8"?>
 <?mso-contentType ?>
 <FormTemplates xmlns="http://schemas.microsoft.com/sharepoint/v3/contenttype/forms">
@@ -23211,6 +23211,21 @@
 </file>
 
 <file path=customXml/itemProps1.xml><?xml version="1.0" encoding="utf-8"?>
+<ds:datastoreItem xmlns:ds="http://schemas.openxmlformats.org/officeDocument/2006/customXml" ds:itemID="{A50EC660-24D0-43A0-AE5E-E274115E726B}">
+  <ds:schemaRefs>
+    <ds:schemaRef ds:uri="http://purl.org/dc/elements/1.1/"/>
+    <ds:schemaRef ds:uri="http://schemas.microsoft.com/office/2006/metadata/properties"/>
+    <ds:schemaRef ds:uri="http://purl.org/dc/terms/"/>
+    <ds:schemaRef ds:uri="http://schemas.openxmlformats.org/package/2006/metadata/core-properties"/>
+    <ds:schemaRef ds:uri="http://schemas.microsoft.com/office/2006/documentManagement/types"/>
+    <ds:schemaRef ds:uri="http://www.w3.org/XML/1998/namespace"/>
+    <ds:schemaRef ds:uri="http://purl.org/dc/dcmitype/"/>
+    <ds:schemaRef ds:uri="http://schemas.microsoft.com/office/infopath/2007/PartnerControls"/>
+  </ds:schemaRefs>
+</ds:datastoreItem>
+</file>
+
+<file path=customXml/itemProps2.xml><?xml version="1.0" encoding="utf-8"?>
 <ds:datastoreItem xmlns:ds="http://schemas.openxmlformats.org/officeDocument/2006/customXml" ds:itemID="{E8DB7DEB-074E-4EE8-9B6E-FD277323109C}">
   <ds:schemaRefs>
     <ds:schemaRef ds:uri="http://schemas.microsoft.com/office/2006/metadata/contentType"/>
@@ -23225,21 +23240,6 @@
 </ds:datastoreItem>
 </file>
 
-<file path=customXml/itemProps2.xml><?xml version="1.0" encoding="utf-8"?>
-<ds:datastoreItem xmlns:ds="http://schemas.openxmlformats.org/officeDocument/2006/customXml" ds:itemID="{A50EC660-24D0-43A0-AE5E-E274115E726B}">
-  <ds:schemaRefs>
-    <ds:schemaRef ds:uri="http://purl.org/dc/elements/1.1/"/>
-    <ds:schemaRef ds:uri="http://schemas.microsoft.com/office/2006/metadata/properties"/>
-    <ds:schemaRef ds:uri="http://purl.org/dc/terms/"/>
-    <ds:schemaRef ds:uri="http://schemas.openxmlformats.org/package/2006/metadata/core-properties"/>
-    <ds:schemaRef ds:uri="http://schemas.microsoft.com/office/2006/documentManagement/types"/>
-    <ds:schemaRef ds:uri="http://www.w3.org/XML/1998/namespace"/>
-    <ds:schemaRef ds:uri="http://purl.org/dc/dcmitype/"/>
-    <ds:schemaRef ds:uri="http://schemas.microsoft.com/office/infopath/2007/PartnerControls"/>
-  </ds:schemaRefs>
-</ds:datastoreItem>
-</file>
-
 <file path=customXml/itemProps3.xml><?xml version="1.0" encoding="utf-8"?>
 <ds:datastoreItem xmlns:ds="http://schemas.openxmlformats.org/officeDocument/2006/customXml" ds:itemID="{19E20559-B232-4371-8690-E3D8007EDB82}">
   <ds:schemaRefs>

--- a/rep-workflows.pptx
+++ b/rep-workflows.pptx
@@ -6890,12 +6890,13 @@
               <a:t> (</a:t>
             </a:r>
             <a:r>
-              <a:rPr lang="en-US" dirty="0" err="1">
+              <a:rPr lang="en-US" dirty="0">
                 <a:solidFill>
                   <a:schemeClr val="bg1">
                     <a:lumMod val="50000"/>
                   </a:schemeClr>
                 </a:solidFill>
+                <a:hlinkClick r:id="rId2"/>
               </a:rPr>
               <a:t>DVC.org</a:t>
             </a:r>
@@ -6927,12 +6928,13 @@
               <a:t>Weights &amp; Biases (</a:t>
             </a:r>
             <a:r>
-              <a:rPr lang="en-US" dirty="0" err="1">
+              <a:rPr lang="en-US" dirty="0">
                 <a:solidFill>
                   <a:schemeClr val="bg1">
                     <a:lumMod val="50000"/>
                   </a:schemeClr>
                 </a:solidFill>
+                <a:hlinkClick r:id="rId3"/>
               </a:rPr>
               <a:t>wandb.ai</a:t>
             </a:r>
@@ -6954,12 +6956,13 @@
               </a:lnSpc>
             </a:pPr>
             <a:r>
-              <a:rPr lang="en-US" dirty="0" err="1">
+              <a:rPr lang="en-US" dirty="0">
                 <a:solidFill>
                   <a:schemeClr val="bg1">
                     <a:lumMod val="50000"/>
                   </a:schemeClr>
                 </a:solidFill>
+                <a:hlinkClick r:id="rId4"/>
               </a:rPr>
               <a:t>huggingface.co</a:t>
             </a:r>
@@ -6988,7 +6991,7 @@
           <p:nvPr/>
         </p:nvPicPr>
         <p:blipFill rotWithShape="1">
-          <a:blip r:embed="rId2">
+          <a:blip r:embed="rId5">
             <a:extLst>
               <a:ext uri="{28A0092B-C50C-407E-A947-70E740481C1C}">
                 <a14:useLocalDpi xmlns:a14="http://schemas.microsoft.com/office/drawing/2010/main" val="0"/>
@@ -7023,7 +7026,7 @@
           <p:nvPr/>
         </p:nvPicPr>
         <p:blipFill>
-          <a:blip r:embed="rId3">
+          <a:blip r:embed="rId6">
             <a:extLst>
               <a:ext uri="{28A0092B-C50C-407E-A947-70E740481C1C}">
                 <a14:useLocalDpi xmlns:a14="http://schemas.microsoft.com/office/drawing/2010/main" val="0"/>
@@ -23147,12 +23150,6 @@
 </file>
 
 <file path=customXml/item1.xml><?xml version="1.0" encoding="utf-8"?>
-<p:properties xmlns:p="http://schemas.microsoft.com/office/2006/metadata/properties" xmlns:xsi="http://www.w3.org/2001/XMLSchema-instance" xmlns:pc="http://schemas.microsoft.com/office/infopath/2007/PartnerControls">
-  <documentManagement/>
-</p:properties>
-</file>
-
-<file path=customXml/item2.xml><?xml version="1.0" encoding="utf-8"?>
 <ct:contentTypeSchema xmlns:ct="http://schemas.microsoft.com/office/2006/metadata/contentType" xmlns:ma="http://schemas.microsoft.com/office/2006/metadata/properties/metaAttributes" ct:_="" ma:_="" ma:contentTypeName="Document" ma:contentTypeID="0x010100565464437F680748A68B85EB6594EA7D" ma:contentTypeVersion="0" ma:contentTypeDescription="Create a new document." ma:contentTypeScope="" ma:versionID="fe3f4dd58d5914c51cfc6deaa8ad845c">
   <xsd:schema xmlns:xsd="http://www.w3.org/2001/XMLSchema" xmlns:p="http://schemas.microsoft.com/office/2006/metadata/properties" targetNamespace="http://schemas.microsoft.com/office/2006/metadata/properties" ma:root="true" ma:fieldsID="4aeb20c0e3442673af7ee10786458764">
     <xsd:element name="properties">
@@ -23201,6 +23198,12 @@
 </ct:contentTypeSchema>
 </file>
 
+<file path=customXml/item2.xml><?xml version="1.0" encoding="utf-8"?>
+<p:properties xmlns:p="http://schemas.microsoft.com/office/2006/metadata/properties" xmlns:xsi="http://www.w3.org/2001/XMLSchema-instance" xmlns:pc="http://schemas.microsoft.com/office/infopath/2007/PartnerControls">
+  <documentManagement/>
+</p:properties>
+</file>
+
 <file path=customXml/item3.xml><?xml version="1.0" encoding="utf-8"?>
 <?mso-contentType ?>
 <FormTemplates xmlns="http://schemas.microsoft.com/sharepoint/v3/contenttype/forms">
@@ -23211,6 +23214,21 @@
 </file>
 
 <file path=customXml/itemProps1.xml><?xml version="1.0" encoding="utf-8"?>
+<ds:datastoreItem xmlns:ds="http://schemas.openxmlformats.org/officeDocument/2006/customXml" ds:itemID="{E8DB7DEB-074E-4EE8-9B6E-FD277323109C}">
+  <ds:schemaRefs>
+    <ds:schemaRef ds:uri="http://schemas.microsoft.com/office/2006/metadata/contentType"/>
+    <ds:schemaRef ds:uri="http://schemas.microsoft.com/office/2006/metadata/properties/metaAttributes"/>
+    <ds:schemaRef ds:uri="http://www.w3.org/2001/XMLSchema"/>
+    <ds:schemaRef ds:uri="http://schemas.microsoft.com/office/2006/metadata/properties"/>
+    <ds:schemaRef ds:uri="http://schemas.openxmlformats.org/package/2006/metadata/core-properties"/>
+    <ds:schemaRef ds:uri="http://purl.org/dc/elements/1.1/"/>
+    <ds:schemaRef ds:uri="http://purl.org/dc/terms/"/>
+    <ds:schemaRef ds:uri="http://schemas.microsoft.com/office/internal/2005/internalDocumentation"/>
+  </ds:schemaRefs>
+</ds:datastoreItem>
+</file>
+
+<file path=customXml/itemProps2.xml><?xml version="1.0" encoding="utf-8"?>
 <ds:datastoreItem xmlns:ds="http://schemas.openxmlformats.org/officeDocument/2006/customXml" ds:itemID="{A50EC660-24D0-43A0-AE5E-E274115E726B}">
   <ds:schemaRefs>
     <ds:schemaRef ds:uri="http://purl.org/dc/elements/1.1/"/>
@@ -23225,21 +23243,6 @@
 </ds:datastoreItem>
 </file>
 
-<file path=customXml/itemProps2.xml><?xml version="1.0" encoding="utf-8"?>
-<ds:datastoreItem xmlns:ds="http://schemas.openxmlformats.org/officeDocument/2006/customXml" ds:itemID="{E8DB7DEB-074E-4EE8-9B6E-FD277323109C}">
-  <ds:schemaRefs>
-    <ds:schemaRef ds:uri="http://schemas.microsoft.com/office/2006/metadata/contentType"/>
-    <ds:schemaRef ds:uri="http://schemas.microsoft.com/office/2006/metadata/properties/metaAttributes"/>
-    <ds:schemaRef ds:uri="http://www.w3.org/2001/XMLSchema"/>
-    <ds:schemaRef ds:uri="http://schemas.microsoft.com/office/2006/metadata/properties"/>
-    <ds:schemaRef ds:uri="http://schemas.openxmlformats.org/package/2006/metadata/core-properties"/>
-    <ds:schemaRef ds:uri="http://purl.org/dc/elements/1.1/"/>
-    <ds:schemaRef ds:uri="http://purl.org/dc/terms/"/>
-    <ds:schemaRef ds:uri="http://schemas.microsoft.com/office/internal/2005/internalDocumentation"/>
-  </ds:schemaRefs>
-</ds:datastoreItem>
-</file>
-
 <file path=customXml/itemProps3.xml><?xml version="1.0" encoding="utf-8"?>
 <ds:datastoreItem xmlns:ds="http://schemas.openxmlformats.org/officeDocument/2006/customXml" ds:itemID="{19E20559-B232-4371-8690-E3D8007EDB82}">
   <ds:schemaRefs>
